--- a/doc/検索エンジン.pptx
+++ b/doc/検索エンジン.pptx
@@ -6,7 +6,12 @@
   </p:sldMasterIdLst>
   <p:sldIdLst>
     <p:sldId id="256" r:id="rId2"/>
-    <p:sldId id="257" r:id="rId3"/>
+    <p:sldId id="258" r:id="rId3"/>
+    <p:sldId id="259" r:id="rId4"/>
+    <p:sldId id="261" r:id="rId5"/>
+    <p:sldId id="262" r:id="rId6"/>
+    <p:sldId id="260" r:id="rId7"/>
+    <p:sldId id="257" r:id="rId8"/>
   </p:sldIdLst>
   <p:sldSz cx="12192000" cy="6858000"/>
   <p:notesSz cx="6858000" cy="9144000"/>
@@ -239,7 +244,7 @@
           <a:p>
             <a:fld id="{381E6EB6-9472-41D5-AD9C-75356895F7A9}" type="datetimeFigureOut">
               <a:rPr kumimoji="1" lang="ja-JP" altLang="en-US" smtClean="0"/>
-              <a:t>2016/10/14</a:t>
+              <a:t>16/10/15</a:t>
             </a:fld>
             <a:endParaRPr kumimoji="1" lang="ja-JP" altLang="en-US"/>
           </a:p>
@@ -441,7 +446,7 @@
           <a:p>
             <a:fld id="{381E6EB6-9472-41D5-AD9C-75356895F7A9}" type="datetimeFigureOut">
               <a:rPr kumimoji="1" lang="ja-JP" altLang="en-US" smtClean="0"/>
-              <a:t>2016/10/14</a:t>
+              <a:t>16/10/15</a:t>
             </a:fld>
             <a:endParaRPr kumimoji="1" lang="ja-JP" altLang="en-US"/>
           </a:p>
@@ -653,7 +658,7 @@
           <a:p>
             <a:fld id="{381E6EB6-9472-41D5-AD9C-75356895F7A9}" type="datetimeFigureOut">
               <a:rPr kumimoji="1" lang="ja-JP" altLang="en-US" smtClean="0"/>
-              <a:t>2016/10/14</a:t>
+              <a:t>16/10/15</a:t>
             </a:fld>
             <a:endParaRPr kumimoji="1" lang="ja-JP" altLang="en-US"/>
           </a:p>
@@ -855,7 +860,7 @@
           <a:p>
             <a:fld id="{381E6EB6-9472-41D5-AD9C-75356895F7A9}" type="datetimeFigureOut">
               <a:rPr kumimoji="1" lang="ja-JP" altLang="en-US" smtClean="0"/>
-              <a:t>2016/10/14</a:t>
+              <a:t>16/10/15</a:t>
             </a:fld>
             <a:endParaRPr kumimoji="1" lang="ja-JP" altLang="en-US"/>
           </a:p>
@@ -1101,7 +1106,7 @@
           <a:p>
             <a:fld id="{381E6EB6-9472-41D5-AD9C-75356895F7A9}" type="datetimeFigureOut">
               <a:rPr kumimoji="1" lang="ja-JP" altLang="en-US" smtClean="0"/>
-              <a:t>2016/10/14</a:t>
+              <a:t>16/10/15</a:t>
             </a:fld>
             <a:endParaRPr kumimoji="1" lang="ja-JP" altLang="en-US"/>
           </a:p>
@@ -1397,7 +1402,7 @@
           <a:p>
             <a:fld id="{381E6EB6-9472-41D5-AD9C-75356895F7A9}" type="datetimeFigureOut">
               <a:rPr kumimoji="1" lang="ja-JP" altLang="en-US" smtClean="0"/>
-              <a:t>2016/10/14</a:t>
+              <a:t>16/10/15</a:t>
             </a:fld>
             <a:endParaRPr kumimoji="1" lang="ja-JP" altLang="en-US"/>
           </a:p>
@@ -1828,7 +1833,7 @@
           <a:p>
             <a:fld id="{381E6EB6-9472-41D5-AD9C-75356895F7A9}" type="datetimeFigureOut">
               <a:rPr kumimoji="1" lang="ja-JP" altLang="en-US" smtClean="0"/>
-              <a:t>2016/10/14</a:t>
+              <a:t>16/10/15</a:t>
             </a:fld>
             <a:endParaRPr kumimoji="1" lang="ja-JP" altLang="en-US"/>
           </a:p>
@@ -1946,7 +1951,7 @@
           <a:p>
             <a:fld id="{381E6EB6-9472-41D5-AD9C-75356895F7A9}" type="datetimeFigureOut">
               <a:rPr kumimoji="1" lang="ja-JP" altLang="en-US" smtClean="0"/>
-              <a:t>2016/10/14</a:t>
+              <a:t>16/10/15</a:t>
             </a:fld>
             <a:endParaRPr kumimoji="1" lang="ja-JP" altLang="en-US"/>
           </a:p>
@@ -2041,7 +2046,7 @@
           <a:p>
             <a:fld id="{381E6EB6-9472-41D5-AD9C-75356895F7A9}" type="datetimeFigureOut">
               <a:rPr kumimoji="1" lang="ja-JP" altLang="en-US" smtClean="0"/>
-              <a:t>2016/10/14</a:t>
+              <a:t>16/10/15</a:t>
             </a:fld>
             <a:endParaRPr kumimoji="1" lang="ja-JP" altLang="en-US"/>
           </a:p>
@@ -2350,7 +2355,7 @@
           <a:p>
             <a:fld id="{381E6EB6-9472-41D5-AD9C-75356895F7A9}" type="datetimeFigureOut">
               <a:rPr kumimoji="1" lang="ja-JP" altLang="en-US" smtClean="0"/>
-              <a:t>2016/10/14</a:t>
+              <a:t>16/10/15</a:t>
             </a:fld>
             <a:endParaRPr kumimoji="1" lang="ja-JP" altLang="en-US"/>
           </a:p>
@@ -2603,7 +2608,7 @@
           <a:p>
             <a:fld id="{381E6EB6-9472-41D5-AD9C-75356895F7A9}" type="datetimeFigureOut">
               <a:rPr kumimoji="1" lang="ja-JP" altLang="en-US" smtClean="0"/>
-              <a:t>2016/10/14</a:t>
+              <a:t>16/10/15</a:t>
             </a:fld>
             <a:endParaRPr kumimoji="1" lang="ja-JP" altLang="en-US"/>
           </a:p>
@@ -2848,7 +2853,7 @@
           <a:p>
             <a:fld id="{381E6EB6-9472-41D5-AD9C-75356895F7A9}" type="datetimeFigureOut">
               <a:rPr kumimoji="1" lang="ja-JP" altLang="en-US" smtClean="0"/>
-              <a:t>2016/10/14</a:t>
+              <a:t>16/10/15</a:t>
             </a:fld>
             <a:endParaRPr kumimoji="1" lang="ja-JP" altLang="en-US"/>
           </a:p>
@@ -3335,6 +3340,636 @@
             <p:ph type="title"/>
           </p:nvPr>
         </p:nvSpPr>
+        <p:spPr/>
+        <p:txBody>
+          <a:bodyPr/>
+          <a:lstStyle/>
+          <a:p>
+            <a:r>
+              <a:rPr kumimoji="1" lang="ja-JP" altLang="en-US" dirty="0" smtClean="0"/>
+              <a:t>オブジェクト指向</a:t>
+            </a:r>
+            <a:endParaRPr kumimoji="1" lang="ja-JP" altLang="en-US" dirty="0"/>
+          </a:p>
+        </p:txBody>
+      </p:sp>
+      <p:sp>
+        <p:nvSpPr>
+          <p:cNvPr id="3" name="コンテンツ プレースホルダー 2"/>
+          <p:cNvSpPr>
+            <a:spLocks noGrp="1"/>
+          </p:cNvSpPr>
+          <p:nvPr>
+            <p:ph idx="1"/>
+          </p:nvPr>
+        </p:nvSpPr>
+        <p:spPr/>
+        <p:txBody>
+          <a:bodyPr/>
+          <a:lstStyle/>
+          <a:p>
+            <a:r>
+              <a:rPr kumimoji="1" lang="ja-JP" altLang="en-US" dirty="0" smtClean="0"/>
+              <a:t>カプセル化</a:t>
+            </a:r>
+            <a:endParaRPr kumimoji="1" lang="en-US" altLang="ja-JP" dirty="0" smtClean="0"/>
+          </a:p>
+          <a:p>
+            <a:r>
+              <a:rPr kumimoji="1" lang="ja-JP" altLang="en-US" dirty="0" smtClean="0"/>
+              <a:t>ポリモーフィズム</a:t>
+            </a:r>
+            <a:r>
+              <a:rPr kumimoji="1" lang="en-US" altLang="ja-JP" dirty="0" smtClean="0"/>
+              <a:t>(</a:t>
+            </a:r>
+            <a:r>
+              <a:rPr kumimoji="1" lang="ja-JP" altLang="en-US" dirty="0" smtClean="0"/>
+              <a:t>多態性</a:t>
+            </a:r>
+            <a:r>
+              <a:rPr kumimoji="1" lang="en-US" altLang="ja-JP" dirty="0" smtClean="0"/>
+              <a:t>)</a:t>
+            </a:r>
+          </a:p>
+          <a:p>
+            <a:pPr lvl="1"/>
+            <a:r>
+              <a:rPr lang="ja-JP" altLang="en-US" dirty="0" smtClean="0"/>
+              <a:t>あるオブジェクトへの走査が呼び出し元ではなく、受け手のオブジェクトによって決まる</a:t>
+            </a:r>
+            <a:endParaRPr lang="en-US" altLang="ja-JP" dirty="0" smtClean="0"/>
+          </a:p>
+          <a:p>
+            <a:r>
+              <a:rPr lang="ja-JP" altLang="en-US" dirty="0" smtClean="0"/>
+              <a:t>継承</a:t>
+            </a:r>
+            <a:endParaRPr kumimoji="1" lang="ja-JP" altLang="en-US" dirty="0"/>
+          </a:p>
+        </p:txBody>
+      </p:sp>
+    </p:spTree>
+    <p:extLst>
+      <p:ext uri="{BB962C8B-B14F-4D97-AF65-F5344CB8AC3E}">
+        <p14:creationId xmlns:p14="http://schemas.microsoft.com/office/powerpoint/2010/main" val="1374648938"/>
+      </p:ext>
+    </p:extLst>
+  </p:cSld>
+  <p:clrMapOvr>
+    <a:masterClrMapping/>
+  </p:clrMapOvr>
+</p:sld>
+</file>
+
+<file path=ppt/slides/slide3.xml><?xml version="1.0" encoding="utf-8"?>
+<p:sld xmlns:a="http://schemas.openxmlformats.org/drawingml/2006/main" xmlns:r="http://schemas.openxmlformats.org/officeDocument/2006/relationships" xmlns:p="http://schemas.openxmlformats.org/presentationml/2006/main">
+  <p:cSld>
+    <p:spTree>
+      <p:nvGrpSpPr>
+        <p:cNvPr id="1" name=""/>
+        <p:cNvGrpSpPr/>
+        <p:nvPr/>
+      </p:nvGrpSpPr>
+      <p:grpSpPr>
+        <a:xfrm>
+          <a:off x="0" y="0"/>
+          <a:ext cx="0" cy="0"/>
+          <a:chOff x="0" y="0"/>
+          <a:chExt cx="0" cy="0"/>
+        </a:xfrm>
+      </p:grpSpPr>
+      <p:sp>
+        <p:nvSpPr>
+          <p:cNvPr id="2" name="タイトル 1"/>
+          <p:cNvSpPr>
+            <a:spLocks noGrp="1"/>
+          </p:cNvSpPr>
+          <p:nvPr>
+            <p:ph type="title"/>
+          </p:nvPr>
+        </p:nvSpPr>
+        <p:spPr/>
+        <p:txBody>
+          <a:bodyPr/>
+          <a:lstStyle/>
+          <a:p>
+            <a:pPr algn="ctr"/>
+            <a:r>
+              <a:rPr kumimoji="1" lang="ja-JP" altLang="en-US" dirty="0" smtClean="0"/>
+              <a:t>デザインパターン</a:t>
+            </a:r>
+            <a:endParaRPr kumimoji="1" lang="ja-JP" altLang="en-US" dirty="0"/>
+          </a:p>
+        </p:txBody>
+      </p:sp>
+      <p:sp>
+        <p:nvSpPr>
+          <p:cNvPr id="3" name="コンテンツ プレースホルダー 2"/>
+          <p:cNvSpPr>
+            <a:spLocks noGrp="1"/>
+          </p:cNvSpPr>
+          <p:nvPr>
+            <p:ph idx="1"/>
+          </p:nvPr>
+        </p:nvSpPr>
+        <p:spPr>
+          <a:xfrm>
+            <a:off x="838200" y="1825625"/>
+            <a:ext cx="10515600" cy="2870956"/>
+          </a:xfrm>
+        </p:spPr>
+        <p:txBody>
+          <a:bodyPr/>
+          <a:lstStyle/>
+          <a:p>
+            <a:r>
+              <a:rPr lang="ja-JP" altLang="en-US" dirty="0" smtClean="0"/>
+              <a:t>デザインパターン</a:t>
+            </a:r>
+            <a:endParaRPr lang="en-US" altLang="ja-JP" dirty="0" smtClean="0"/>
+          </a:p>
+          <a:p>
+            <a:pPr lvl="1"/>
+            <a:r>
+              <a:rPr lang="mr-IN" altLang="ja-JP" b="1" dirty="0">
+                <a:hlinkClick r:id="rId2"/>
+              </a:rPr>
+              <a:t>https://ja.wikipedia.org/wiki/%E3%83%87%E3%82%B6%E3%82%A4%E3%83%B3%E3%83%91%E3%82%BF%E3%83%BC%E3%83%B3_(%E3%82%BD%E3%83%95%E3%83%88%E3%82%A6%E3%82%A7%E3%82%A2</a:t>
+            </a:r>
+            <a:r>
+              <a:rPr lang="mr-IN" altLang="ja-JP" b="1" dirty="0" smtClean="0"/>
+              <a:t>)</a:t>
+            </a:r>
+            <a:endParaRPr lang="en-US" altLang="ja-JP" b="1" dirty="0" smtClean="0"/>
+          </a:p>
+          <a:p>
+            <a:r>
+              <a:rPr lang="ja-JP" altLang="en-US" b="1" dirty="0" smtClean="0"/>
+              <a:t>矢沢久雄の早わかり</a:t>
+            </a:r>
+            <a:r>
+              <a:rPr lang="en-US" altLang="ja-JP" b="1" dirty="0" err="1" smtClean="0"/>
+              <a:t>GoF</a:t>
+            </a:r>
+            <a:r>
+              <a:rPr lang="ja-JP" altLang="en-US" b="1" dirty="0" smtClean="0"/>
+              <a:t>デザインパターン</a:t>
+            </a:r>
+            <a:r>
+              <a:rPr lang="en-US" altLang="ja-JP" b="1" dirty="0" smtClean="0"/>
+              <a:t>(1)</a:t>
+            </a:r>
+            <a:endParaRPr lang="en-US" altLang="ja-JP" b="1" dirty="0" smtClean="0"/>
+          </a:p>
+          <a:p>
+            <a:pPr lvl="1"/>
+            <a:r>
+              <a:rPr lang="en-US" altLang="ja-JP" b="1" dirty="0">
+                <a:hlinkClick r:id="rId3"/>
+              </a:rPr>
+              <a:t>http://itpro.nikkeibp.co.jp/article/COLUMN/20051123/225074/?rt=</a:t>
+            </a:r>
+            <a:r>
+              <a:rPr lang="en-US" altLang="ja-JP" b="1" dirty="0" smtClean="0">
+                <a:hlinkClick r:id="rId3"/>
+              </a:rPr>
+              <a:t>nocnt</a:t>
+            </a:r>
+            <a:endParaRPr lang="en-US" altLang="ja-JP" b="1" dirty="0"/>
+          </a:p>
+          <a:p>
+            <a:pPr lvl="1"/>
+            <a:endParaRPr lang="en-US" altLang="ja-JP" b="1" dirty="0" smtClean="0"/>
+          </a:p>
+        </p:txBody>
+      </p:sp>
+      <p:pic>
+        <p:nvPicPr>
+          <p:cNvPr id="4" name="図 3"/>
+          <p:cNvPicPr>
+            <a:picLocks noChangeAspect="1"/>
+          </p:cNvPicPr>
+          <p:nvPr/>
+        </p:nvPicPr>
+        <p:blipFill>
+          <a:blip r:embed="rId4"/>
+          <a:stretch>
+            <a:fillRect/>
+          </a:stretch>
+        </p:blipFill>
+        <p:spPr>
+          <a:xfrm>
+            <a:off x="10695387" y="4855337"/>
+            <a:ext cx="1325063" cy="1841801"/>
+          </a:xfrm>
+          <a:prstGeom prst="rect">
+            <a:avLst/>
+          </a:prstGeom>
+        </p:spPr>
+      </p:pic>
+    </p:spTree>
+    <p:extLst>
+      <p:ext uri="{BB962C8B-B14F-4D97-AF65-F5344CB8AC3E}">
+        <p14:creationId xmlns:p14="http://schemas.microsoft.com/office/powerpoint/2010/main" val="614741152"/>
+      </p:ext>
+    </p:extLst>
+  </p:cSld>
+  <p:clrMapOvr>
+    <a:masterClrMapping/>
+  </p:clrMapOvr>
+</p:sld>
+</file>
+
+<file path=ppt/slides/slide4.xml><?xml version="1.0" encoding="utf-8"?>
+<p:sld xmlns:a="http://schemas.openxmlformats.org/drawingml/2006/main" xmlns:r="http://schemas.openxmlformats.org/officeDocument/2006/relationships" xmlns:p="http://schemas.openxmlformats.org/presentationml/2006/main">
+  <p:cSld>
+    <p:spTree>
+      <p:nvGrpSpPr>
+        <p:cNvPr id="1" name=""/>
+        <p:cNvGrpSpPr/>
+        <p:nvPr/>
+      </p:nvGrpSpPr>
+      <p:grpSpPr>
+        <a:xfrm>
+          <a:off x="0" y="0"/>
+          <a:ext cx="0" cy="0"/>
+          <a:chOff x="0" y="0"/>
+          <a:chExt cx="0" cy="0"/>
+        </a:xfrm>
+      </p:grpSpPr>
+      <p:sp>
+        <p:nvSpPr>
+          <p:cNvPr id="2" name="タイトル 1"/>
+          <p:cNvSpPr>
+            <a:spLocks noGrp="1"/>
+          </p:cNvSpPr>
+          <p:nvPr>
+            <p:ph type="title"/>
+          </p:nvPr>
+        </p:nvSpPr>
+        <p:spPr/>
+        <p:txBody>
+          <a:bodyPr/>
+          <a:lstStyle/>
+          <a:p>
+            <a:pPr algn="ctr"/>
+            <a:r>
+              <a:rPr kumimoji="1" lang="ja-JP" altLang="en-US" dirty="0" smtClean="0"/>
+              <a:t>テスト</a:t>
+            </a:r>
+            <a:endParaRPr kumimoji="1" lang="ja-JP" altLang="en-US" dirty="0"/>
+          </a:p>
+        </p:txBody>
+      </p:sp>
+      <p:sp>
+        <p:nvSpPr>
+          <p:cNvPr id="3" name="コンテンツ プレースホルダー 2"/>
+          <p:cNvSpPr>
+            <a:spLocks noGrp="1"/>
+          </p:cNvSpPr>
+          <p:nvPr>
+            <p:ph idx="1"/>
+          </p:nvPr>
+        </p:nvSpPr>
+        <p:spPr/>
+        <p:txBody>
+          <a:bodyPr/>
+          <a:lstStyle/>
+          <a:p>
+            <a:r>
+              <a:rPr kumimoji="1" lang="en-US" altLang="ja-JP" dirty="0" err="1" smtClean="0"/>
+              <a:t>Junit</a:t>
+            </a:r>
+            <a:endParaRPr kumimoji="1" lang="en-US" altLang="ja-JP" dirty="0" smtClean="0"/>
+          </a:p>
+          <a:p>
+            <a:pPr lvl="1"/>
+            <a:r>
+              <a:rPr kumimoji="1" lang="en-US" altLang="ja-JP" dirty="0" smtClean="0"/>
+              <a:t>Eclipse</a:t>
+            </a:r>
+            <a:r>
+              <a:rPr kumimoji="1" lang="ja-JP" altLang="en-US" dirty="0" smtClean="0"/>
+              <a:t> </a:t>
+            </a:r>
+            <a:r>
+              <a:rPr kumimoji="1" lang="en-US" altLang="ja-JP" dirty="0" smtClean="0"/>
+              <a:t>4.4</a:t>
+            </a:r>
+            <a:r>
+              <a:rPr kumimoji="1" lang="ja-JP" altLang="en-US" dirty="0" smtClean="0"/>
+              <a:t>から標準</a:t>
+            </a:r>
+            <a:endParaRPr lang="en-US" altLang="ja-JP" dirty="0"/>
+          </a:p>
+          <a:p>
+            <a:r>
+              <a:rPr kumimoji="1" lang="en-US" altLang="ja-JP" dirty="0" smtClean="0"/>
+              <a:t>TDD(Test Driven Development)</a:t>
+            </a:r>
+          </a:p>
+          <a:p>
+            <a:pPr lvl="1"/>
+            <a:r>
+              <a:rPr lang="ja-JP" altLang="en-US" dirty="0" smtClean="0"/>
+              <a:t>テスト駆動開発</a:t>
+            </a:r>
+            <a:endParaRPr kumimoji="1" lang="ja-JP" altLang="en-US" dirty="0"/>
+          </a:p>
+        </p:txBody>
+      </p:sp>
+    </p:spTree>
+    <p:extLst>
+      <p:ext uri="{BB962C8B-B14F-4D97-AF65-F5344CB8AC3E}">
+        <p14:creationId xmlns:p14="http://schemas.microsoft.com/office/powerpoint/2010/main" val="3291661313"/>
+      </p:ext>
+    </p:extLst>
+  </p:cSld>
+  <p:clrMapOvr>
+    <a:masterClrMapping/>
+  </p:clrMapOvr>
+</p:sld>
+</file>
+
+<file path=ppt/slides/slide5.xml><?xml version="1.0" encoding="utf-8"?>
+<p:sld xmlns:a="http://schemas.openxmlformats.org/drawingml/2006/main" xmlns:r="http://schemas.openxmlformats.org/officeDocument/2006/relationships" xmlns:p="http://schemas.openxmlformats.org/presentationml/2006/main">
+  <p:cSld>
+    <p:spTree>
+      <p:nvGrpSpPr>
+        <p:cNvPr id="1" name=""/>
+        <p:cNvGrpSpPr/>
+        <p:nvPr/>
+      </p:nvGrpSpPr>
+      <p:grpSpPr>
+        <a:xfrm>
+          <a:off x="0" y="0"/>
+          <a:ext cx="0" cy="0"/>
+          <a:chOff x="0" y="0"/>
+          <a:chExt cx="0" cy="0"/>
+        </a:xfrm>
+      </p:grpSpPr>
+      <p:sp>
+        <p:nvSpPr>
+          <p:cNvPr id="2" name="タイトル 1"/>
+          <p:cNvSpPr>
+            <a:spLocks noGrp="1"/>
+          </p:cNvSpPr>
+          <p:nvPr>
+            <p:ph type="title"/>
+          </p:nvPr>
+        </p:nvSpPr>
+        <p:spPr/>
+        <p:txBody>
+          <a:bodyPr/>
+          <a:lstStyle/>
+          <a:p>
+            <a:pPr algn="ctr"/>
+            <a:r>
+              <a:rPr kumimoji="1" lang="ja-JP" altLang="en-US" dirty="0" smtClean="0"/>
+              <a:t>開発環境</a:t>
+            </a:r>
+            <a:endParaRPr kumimoji="1" lang="ja-JP" altLang="en-US" dirty="0"/>
+          </a:p>
+        </p:txBody>
+      </p:sp>
+      <p:sp>
+        <p:nvSpPr>
+          <p:cNvPr id="3" name="コンテンツ プレースホルダー 2"/>
+          <p:cNvSpPr>
+            <a:spLocks noGrp="1"/>
+          </p:cNvSpPr>
+          <p:nvPr>
+            <p:ph idx="1"/>
+          </p:nvPr>
+        </p:nvSpPr>
+        <p:spPr/>
+        <p:txBody>
+          <a:bodyPr/>
+          <a:lstStyle/>
+          <a:p>
+            <a:r>
+              <a:rPr kumimoji="1" lang="ja-JP" altLang="en-US" dirty="0" smtClean="0"/>
+              <a:t>開発言語</a:t>
+            </a:r>
+            <a:endParaRPr kumimoji="1" lang="en-US" altLang="ja-JP" dirty="0" smtClean="0"/>
+          </a:p>
+          <a:p>
+            <a:pPr lvl="1"/>
+            <a:r>
+              <a:rPr kumimoji="1" lang="en-US" altLang="ja-JP" dirty="0" smtClean="0"/>
+              <a:t>Java</a:t>
+            </a:r>
+          </a:p>
+          <a:p>
+            <a:r>
+              <a:rPr lang="en-US" altLang="ja-JP" dirty="0" smtClean="0"/>
+              <a:t>IDE</a:t>
+            </a:r>
+          </a:p>
+          <a:p>
+            <a:pPr lvl="1"/>
+            <a:r>
+              <a:rPr lang="en-US" altLang="ja-JP" dirty="0" smtClean="0"/>
+              <a:t>Eclipse</a:t>
+            </a:r>
+          </a:p>
+          <a:p>
+            <a:r>
+              <a:rPr lang="ja-JP" altLang="en-US" dirty="0" smtClean="0"/>
+              <a:t>ソース管理</a:t>
+            </a:r>
+            <a:endParaRPr lang="en-US" altLang="ja-JP" dirty="0" smtClean="0"/>
+          </a:p>
+          <a:p>
+            <a:pPr lvl="1"/>
+            <a:r>
+              <a:rPr kumimoji="1" lang="en-US" altLang="ja-JP" dirty="0" err="1" smtClean="0"/>
+              <a:t>Github</a:t>
+            </a:r>
+            <a:endParaRPr kumimoji="1" lang="en-US" altLang="ja-JP" dirty="0" smtClean="0"/>
+          </a:p>
+          <a:p>
+            <a:r>
+              <a:rPr kumimoji="1" lang="ja-JP" altLang="en-US" dirty="0" smtClean="0"/>
+              <a:t>テスト</a:t>
+            </a:r>
+            <a:endParaRPr kumimoji="1" lang="en-US" altLang="ja-JP" dirty="0" smtClean="0"/>
+          </a:p>
+          <a:p>
+            <a:pPr lvl="1"/>
+            <a:r>
+              <a:rPr lang="en-US" altLang="ja-JP" dirty="0" err="1" smtClean="0"/>
+              <a:t>JUnit</a:t>
+            </a:r>
+            <a:endParaRPr kumimoji="1" lang="en-US" altLang="ja-JP" dirty="0" smtClean="0"/>
+          </a:p>
+          <a:p>
+            <a:pPr lvl="1"/>
+            <a:endParaRPr kumimoji="1" lang="ja-JP" altLang="en-US" dirty="0"/>
+          </a:p>
+        </p:txBody>
+      </p:sp>
+    </p:spTree>
+    <p:extLst>
+      <p:ext uri="{BB962C8B-B14F-4D97-AF65-F5344CB8AC3E}">
+        <p14:creationId xmlns:p14="http://schemas.microsoft.com/office/powerpoint/2010/main" val="3210439307"/>
+      </p:ext>
+    </p:extLst>
+  </p:cSld>
+  <p:clrMapOvr>
+    <a:masterClrMapping/>
+  </p:clrMapOvr>
+</p:sld>
+</file>
+
+<file path=ppt/slides/slide6.xml><?xml version="1.0" encoding="utf-8"?>
+<p:sld xmlns:a="http://schemas.openxmlformats.org/drawingml/2006/main" xmlns:r="http://schemas.openxmlformats.org/officeDocument/2006/relationships" xmlns:p="http://schemas.openxmlformats.org/presentationml/2006/main">
+  <p:cSld>
+    <p:spTree>
+      <p:nvGrpSpPr>
+        <p:cNvPr id="1" name=""/>
+        <p:cNvGrpSpPr/>
+        <p:nvPr/>
+      </p:nvGrpSpPr>
+      <p:grpSpPr>
+        <a:xfrm>
+          <a:off x="0" y="0"/>
+          <a:ext cx="0" cy="0"/>
+          <a:chOff x="0" y="0"/>
+          <a:chExt cx="0" cy="0"/>
+        </a:xfrm>
+      </p:grpSpPr>
+      <p:sp>
+        <p:nvSpPr>
+          <p:cNvPr id="2" name="タイトル 1"/>
+          <p:cNvSpPr>
+            <a:spLocks noGrp="1"/>
+          </p:cNvSpPr>
+          <p:nvPr>
+            <p:ph type="title"/>
+          </p:nvPr>
+        </p:nvSpPr>
+        <p:spPr/>
+        <p:txBody>
+          <a:bodyPr/>
+          <a:lstStyle/>
+          <a:p>
+            <a:pPr algn="ctr"/>
+            <a:r>
+              <a:rPr kumimoji="1" lang="ja-JP" altLang="en-US" dirty="0" smtClean="0"/>
+              <a:t>例題</a:t>
+            </a:r>
+            <a:r>
+              <a:rPr kumimoji="1" lang="en-US" altLang="ja-JP" dirty="0" smtClean="0"/>
+              <a:t>)</a:t>
+            </a:r>
+            <a:r>
+              <a:rPr kumimoji="1" lang="ja-JP" altLang="en-US" dirty="0" smtClean="0"/>
+              <a:t>検索エンジン</a:t>
+            </a:r>
+            <a:endParaRPr kumimoji="1" lang="ja-JP" altLang="en-US" dirty="0"/>
+          </a:p>
+        </p:txBody>
+      </p:sp>
+      <p:sp>
+        <p:nvSpPr>
+          <p:cNvPr id="3" name="コンテンツ プレースホルダー 2"/>
+          <p:cNvSpPr>
+            <a:spLocks noGrp="1"/>
+          </p:cNvSpPr>
+          <p:nvPr>
+            <p:ph idx="1"/>
+          </p:nvPr>
+        </p:nvSpPr>
+        <p:spPr/>
+        <p:txBody>
+          <a:bodyPr/>
+          <a:lstStyle/>
+          <a:p>
+            <a:r>
+              <a:rPr kumimoji="1" lang="ja-JP" altLang="en-US" dirty="0" smtClean="0"/>
+              <a:t>機能</a:t>
+            </a:r>
+            <a:endParaRPr kumimoji="1" lang="en-US" altLang="ja-JP" dirty="0" smtClean="0"/>
+          </a:p>
+          <a:p>
+            <a:pPr lvl="1"/>
+            <a:r>
+              <a:rPr kumimoji="1" lang="en-US" altLang="ja-JP" dirty="0" smtClean="0"/>
+              <a:t>Indexer</a:t>
+            </a:r>
+          </a:p>
+          <a:p>
+            <a:pPr lvl="2"/>
+            <a:r>
+              <a:rPr kumimoji="1" lang="ja-JP" altLang="en-US" dirty="0" smtClean="0"/>
+              <a:t>文書ごとに含まれるタームをデータベースに格納する</a:t>
+            </a:r>
+            <a:endParaRPr kumimoji="1" lang="en-US" altLang="ja-JP" dirty="0" smtClean="0"/>
+          </a:p>
+          <a:p>
+            <a:pPr lvl="1"/>
+            <a:r>
+              <a:rPr lang="ja-JP" altLang="ja-JP" dirty="0" smtClean="0"/>
+              <a:t>S</a:t>
+            </a:r>
+            <a:r>
+              <a:rPr lang="en-US" altLang="ja-JP" dirty="0" err="1" smtClean="0"/>
+              <a:t>earcher</a:t>
+            </a:r>
+            <a:endParaRPr lang="en-US" altLang="ja-JP" dirty="0" smtClean="0"/>
+          </a:p>
+          <a:p>
+            <a:pPr lvl="2"/>
+            <a:r>
+              <a:rPr kumimoji="1" lang="ja-JP" altLang="en-US" dirty="0" smtClean="0"/>
+              <a:t>クエリと文書の類似度を計算し、類似度の高い順に文書を並び替える。</a:t>
+            </a:r>
+            <a:endParaRPr kumimoji="1" lang="ja-JP" altLang="en-US" dirty="0"/>
+          </a:p>
+        </p:txBody>
+      </p:sp>
+    </p:spTree>
+    <p:extLst>
+      <p:ext uri="{BB962C8B-B14F-4D97-AF65-F5344CB8AC3E}">
+        <p14:creationId xmlns:p14="http://schemas.microsoft.com/office/powerpoint/2010/main" val="960480589"/>
+      </p:ext>
+    </p:extLst>
+  </p:cSld>
+  <p:clrMapOvr>
+    <a:masterClrMapping/>
+  </p:clrMapOvr>
+</p:sld>
+</file>
+
+<file path=ppt/slides/slide7.xml><?xml version="1.0" encoding="utf-8"?>
+<p:sld xmlns:a="http://schemas.openxmlformats.org/drawingml/2006/main" xmlns:r="http://schemas.openxmlformats.org/officeDocument/2006/relationships" xmlns:p="http://schemas.openxmlformats.org/presentationml/2006/main">
+  <p:cSld>
+    <p:spTree>
+      <p:nvGrpSpPr>
+        <p:cNvPr id="1" name=""/>
+        <p:cNvGrpSpPr/>
+        <p:nvPr/>
+      </p:nvGrpSpPr>
+      <p:grpSpPr>
+        <a:xfrm>
+          <a:off x="0" y="0"/>
+          <a:ext cx="0" cy="0"/>
+          <a:chOff x="0" y="0"/>
+          <a:chExt cx="0" cy="0"/>
+        </a:xfrm>
+      </p:grpSpPr>
+      <p:sp>
+        <p:nvSpPr>
+          <p:cNvPr id="2" name="タイトル 1"/>
+          <p:cNvSpPr>
+            <a:spLocks noGrp="1"/>
+          </p:cNvSpPr>
+          <p:nvPr>
+            <p:ph type="title"/>
+          </p:nvPr>
+        </p:nvSpPr>
         <p:spPr>
           <a:xfrm>
             <a:off x="838200" y="365126"/>
@@ -3348,7 +3983,15 @@
             <a:pPr algn="ctr"/>
             <a:r>
               <a:rPr kumimoji="1" lang="ja-JP" altLang="en-US" dirty="0" smtClean="0"/>
-              <a:t>クラス構成</a:t>
+              <a:t>クラス</a:t>
+            </a:r>
+            <a:r>
+              <a:rPr kumimoji="1" lang="ja-JP" altLang="en-US" dirty="0" smtClean="0"/>
+              <a:t>構成</a:t>
+            </a:r>
+            <a:r>
+              <a:rPr kumimoji="1" lang="en-US" altLang="ja-JP" dirty="0" smtClean="0"/>
+              <a:t>(Indexer)</a:t>
             </a:r>
             <a:endParaRPr kumimoji="1" lang="ja-JP" altLang="en-US" dirty="0"/>
           </a:p>
@@ -4164,7 +4807,7 @@
         </p:nvSpPr>
         <p:spPr>
           <a:xfrm>
-            <a:off x="8899637" y="3267792"/>
+            <a:off x="9058382" y="3479469"/>
             <a:ext cx="2567188" cy="536038"/>
           </a:xfrm>
           <a:prstGeom prst="roundRect">
@@ -4442,8 +5085,8 @@
         </p:nvSpPr>
         <p:spPr>
           <a:xfrm>
-            <a:off x="9963617" y="1954486"/>
-            <a:ext cx="808426" cy="369332"/>
+            <a:off x="8630973" y="2761840"/>
+            <a:ext cx="3441968" cy="646331"/>
           </a:xfrm>
           <a:prstGeom prst="rect">
             <a:avLst/>
@@ -4456,8 +5099,19 @@
           <a:lstStyle/>
           <a:p>
             <a:r>
+              <a:rPr lang="ja-JP" altLang="en-US" dirty="0" smtClean="0"/>
+              <a:t>ドキュメントの種類に応じて</a:t>
+            </a:r>
+            <a:endParaRPr lang="en-US" altLang="ja-JP" dirty="0" smtClean="0"/>
+          </a:p>
+          <a:p>
+            <a:r>
+              <a:rPr lang="ja-JP" altLang="en-US" dirty="0" smtClean="0"/>
+              <a:t>テキスト抽出器を作成する</a:t>
+            </a:r>
+            <a:r>
               <a:rPr lang="en-US" altLang="ja-JP" dirty="0" smtClean="0"/>
-              <a:t>thread</a:t>
+              <a:t>Factory</a:t>
             </a:r>
             <a:endParaRPr lang="ja-JP" altLang="en-US" dirty="0"/>
           </a:p>
@@ -4513,7 +5167,7 @@
         </p:nvSpPr>
         <p:spPr>
           <a:xfrm>
-            <a:off x="8899637" y="3963248"/>
+            <a:off x="9428788" y="4174925"/>
             <a:ext cx="2567188" cy="536038"/>
           </a:xfrm>
           <a:prstGeom prst="roundRect">
@@ -4556,7 +5210,7 @@
         </p:nvSpPr>
         <p:spPr>
           <a:xfrm>
-            <a:off x="8899637" y="4682874"/>
+            <a:off x="9428788" y="4894551"/>
             <a:ext cx="2567188" cy="536038"/>
           </a:xfrm>
           <a:prstGeom prst="roundRect">
@@ -4599,7 +5253,7 @@
         </p:nvSpPr>
         <p:spPr>
           <a:xfrm>
-            <a:off x="8899637" y="5376005"/>
+            <a:off x="9428788" y="5587682"/>
             <a:ext cx="2567188" cy="536038"/>
           </a:xfrm>
           <a:prstGeom prst="roundRect">
@@ -4631,6 +5285,35 @@
               <a:t>PDFTextExtractor</a:t>
             </a:r>
             <a:endParaRPr kumimoji="1" lang="ja-JP" altLang="en-US" dirty="0"/>
+          </a:p>
+        </p:txBody>
+      </p:sp>
+      <p:sp>
+        <p:nvSpPr>
+          <p:cNvPr id="37" name="正方形/長方形 36"/>
+          <p:cNvSpPr/>
+          <p:nvPr/>
+        </p:nvSpPr>
+        <p:spPr>
+          <a:xfrm>
+            <a:off x="9957271" y="1957244"/>
+            <a:ext cx="810438" cy="369332"/>
+          </a:xfrm>
+          <a:prstGeom prst="rect">
+            <a:avLst/>
+          </a:prstGeom>
+        </p:spPr>
+        <p:txBody>
+          <a:bodyPr wrap="none">
+            <a:spAutoFit/>
+          </a:bodyPr>
+          <a:lstStyle/>
+          <a:p>
+            <a:r>
+              <a:rPr lang="en-US" altLang="ja-JP" dirty="0" smtClean="0"/>
+              <a:t>thread</a:t>
+            </a:r>
+            <a:endParaRPr lang="ja-JP" altLang="en-US" dirty="0"/>
           </a:p>
         </p:txBody>
       </p:sp>
@@ -4647,7 +5330,7 @@
   <p:timing>
     <p:tnLst>
       <p:par>
-        <p:cTn id="1" dur="indefinite" restart="never" nodeType="tmRoot"/>
+        <p:cTn xmlns:p14="http://schemas.microsoft.com/office/powerpoint/2010/main" id="1" dur="indefinite" restart="never" nodeType="tmRoot"/>
       </p:par>
     </p:tnLst>
   </p:timing>
@@ -4697,7 +5380,7 @@
     </a:clrScheme>
     <a:fontScheme name="Office">
       <a:majorFont>
-        <a:latin typeface="Calibri Light" panose="020F0302020204030204"/>
+        <a:latin typeface="Calibri Light"/>
         <a:ea typeface=""/>
         <a:cs typeface=""/>
         <a:font script="Jpan" typeface="ＭＳ Ｐゴシック"/>
@@ -4732,7 +5415,7 @@
         <a:font script="Geor" typeface="Sylfaen"/>
       </a:majorFont>
       <a:minorFont>
-        <a:latin typeface="Calibri" panose="020F0502020204030204"/>
+        <a:latin typeface="Calibri"/>
         <a:ea typeface=""/>
         <a:cs typeface=""/>
         <a:font script="Jpan" typeface="ＭＳ Ｐゴシック"/>
@@ -4909,7 +5592,7 @@
   <a:extraClrSchemeLst/>
   <a:extLst>
     <a:ext uri="{05A4C25C-085E-4340-85A3-A5531E510DB2}">
-      <thm15:themeFamily xmlns:thm15="http://schemas.microsoft.com/office/thememl/2012/main" name="Office Theme" id="{62F939B6-93AF-4DB8-9C6B-D6C7DFDC589F}" vid="{4A3C46E8-61CC-4603-A589-7422A47A8E4A}"/>
+      <thm15:themeFamily xmlns:thm15="http://schemas.microsoft.com/office/thememl/2012/main" xmlns="" name="Office Theme" id="{62F939B6-93AF-4DB8-9C6B-D6C7DFDC589F}" vid="{4A3C46E8-61CC-4603-A589-7422A47A8E4A}"/>
     </a:ext>
   </a:extLst>
 </a:theme>

--- a/doc/検索エンジン.pptx
+++ b/doc/検索エンジン.pptx
@@ -3790,6 +3790,34 @@
             <a:endParaRPr kumimoji="1" lang="en-US" altLang="ja-JP" dirty="0" smtClean="0"/>
           </a:p>
           <a:p>
+            <a:pPr lvl="1"/>
+            <a:r>
+              <a:rPr lang="en-US" altLang="ja-JP" dirty="0"/>
+              <a:t>https://</a:t>
+            </a:r>
+            <a:r>
+              <a:rPr lang="en-US" altLang="ja-JP" dirty="0" err="1"/>
+              <a:t>github.com</a:t>
+            </a:r>
+            <a:r>
+              <a:rPr lang="en-US" altLang="ja-JP" dirty="0"/>
+              <a:t>/</a:t>
+            </a:r>
+            <a:r>
+              <a:rPr lang="en-US" altLang="ja-JP" dirty="0" err="1"/>
+              <a:t>unokun</a:t>
+            </a:r>
+            <a:r>
+              <a:rPr lang="en-US" altLang="ja-JP" dirty="0"/>
+              <a:t>/</a:t>
+            </a:r>
+            <a:r>
+              <a:rPr lang="en-US" altLang="ja-JP"/>
+              <a:t>SearchEngine</a:t>
+            </a:r>
+            <a:endParaRPr kumimoji="1" lang="en-US" altLang="ja-JP" dirty="0" smtClean="0"/>
+          </a:p>
+          <a:p>
             <a:r>
               <a:rPr kumimoji="1" lang="ja-JP" altLang="en-US" dirty="0" smtClean="0"/>
               <a:t>テスト</a:t>

--- a/doc/検索エンジン.pptx
+++ b/doc/検索エンジン.pptx
@@ -9,9 +9,11 @@
     <p:sldId id="258" r:id="rId3"/>
     <p:sldId id="259" r:id="rId4"/>
     <p:sldId id="261" r:id="rId5"/>
-    <p:sldId id="262" r:id="rId6"/>
-    <p:sldId id="260" r:id="rId7"/>
-    <p:sldId id="257" r:id="rId8"/>
+    <p:sldId id="263" r:id="rId6"/>
+    <p:sldId id="264" r:id="rId7"/>
+    <p:sldId id="262" r:id="rId8"/>
+    <p:sldId id="260" r:id="rId9"/>
+    <p:sldId id="257" r:id="rId10"/>
   </p:sldIdLst>
   <p:sldSz cx="12192000" cy="6858000"/>
   <p:notesSz cx="6858000" cy="9144000"/>
@@ -244,7 +246,7 @@
           <a:p>
             <a:fld id="{381E6EB6-9472-41D5-AD9C-75356895F7A9}" type="datetimeFigureOut">
               <a:rPr kumimoji="1" lang="ja-JP" altLang="en-US" smtClean="0"/>
-              <a:t>16/10/15</a:t>
+              <a:t>16/10/16</a:t>
             </a:fld>
             <a:endParaRPr kumimoji="1" lang="ja-JP" altLang="en-US"/>
           </a:p>
@@ -446,7 +448,7 @@
           <a:p>
             <a:fld id="{381E6EB6-9472-41D5-AD9C-75356895F7A9}" type="datetimeFigureOut">
               <a:rPr kumimoji="1" lang="ja-JP" altLang="en-US" smtClean="0"/>
-              <a:t>16/10/15</a:t>
+              <a:t>16/10/16</a:t>
             </a:fld>
             <a:endParaRPr kumimoji="1" lang="ja-JP" altLang="en-US"/>
           </a:p>
@@ -658,7 +660,7 @@
           <a:p>
             <a:fld id="{381E6EB6-9472-41D5-AD9C-75356895F7A9}" type="datetimeFigureOut">
               <a:rPr kumimoji="1" lang="ja-JP" altLang="en-US" smtClean="0"/>
-              <a:t>16/10/15</a:t>
+              <a:t>16/10/16</a:t>
             </a:fld>
             <a:endParaRPr kumimoji="1" lang="ja-JP" altLang="en-US"/>
           </a:p>
@@ -860,7 +862,7 @@
           <a:p>
             <a:fld id="{381E6EB6-9472-41D5-AD9C-75356895F7A9}" type="datetimeFigureOut">
               <a:rPr kumimoji="1" lang="ja-JP" altLang="en-US" smtClean="0"/>
-              <a:t>16/10/15</a:t>
+              <a:t>16/10/16</a:t>
             </a:fld>
             <a:endParaRPr kumimoji="1" lang="ja-JP" altLang="en-US"/>
           </a:p>
@@ -1106,7 +1108,7 @@
           <a:p>
             <a:fld id="{381E6EB6-9472-41D5-AD9C-75356895F7A9}" type="datetimeFigureOut">
               <a:rPr kumimoji="1" lang="ja-JP" altLang="en-US" smtClean="0"/>
-              <a:t>16/10/15</a:t>
+              <a:t>16/10/16</a:t>
             </a:fld>
             <a:endParaRPr kumimoji="1" lang="ja-JP" altLang="en-US"/>
           </a:p>
@@ -1402,7 +1404,7 @@
           <a:p>
             <a:fld id="{381E6EB6-9472-41D5-AD9C-75356895F7A9}" type="datetimeFigureOut">
               <a:rPr kumimoji="1" lang="ja-JP" altLang="en-US" smtClean="0"/>
-              <a:t>16/10/15</a:t>
+              <a:t>16/10/16</a:t>
             </a:fld>
             <a:endParaRPr kumimoji="1" lang="ja-JP" altLang="en-US"/>
           </a:p>
@@ -1833,7 +1835,7 @@
           <a:p>
             <a:fld id="{381E6EB6-9472-41D5-AD9C-75356895F7A9}" type="datetimeFigureOut">
               <a:rPr kumimoji="1" lang="ja-JP" altLang="en-US" smtClean="0"/>
-              <a:t>16/10/15</a:t>
+              <a:t>16/10/16</a:t>
             </a:fld>
             <a:endParaRPr kumimoji="1" lang="ja-JP" altLang="en-US"/>
           </a:p>
@@ -1951,7 +1953,7 @@
           <a:p>
             <a:fld id="{381E6EB6-9472-41D5-AD9C-75356895F7A9}" type="datetimeFigureOut">
               <a:rPr kumimoji="1" lang="ja-JP" altLang="en-US" smtClean="0"/>
-              <a:t>16/10/15</a:t>
+              <a:t>16/10/16</a:t>
             </a:fld>
             <a:endParaRPr kumimoji="1" lang="ja-JP" altLang="en-US"/>
           </a:p>
@@ -2046,7 +2048,7 @@
           <a:p>
             <a:fld id="{381E6EB6-9472-41D5-AD9C-75356895F7A9}" type="datetimeFigureOut">
               <a:rPr kumimoji="1" lang="ja-JP" altLang="en-US" smtClean="0"/>
-              <a:t>16/10/15</a:t>
+              <a:t>16/10/16</a:t>
             </a:fld>
             <a:endParaRPr kumimoji="1" lang="ja-JP" altLang="en-US"/>
           </a:p>
@@ -2355,7 +2357,7 @@
           <a:p>
             <a:fld id="{381E6EB6-9472-41D5-AD9C-75356895F7A9}" type="datetimeFigureOut">
               <a:rPr kumimoji="1" lang="ja-JP" altLang="en-US" smtClean="0"/>
-              <a:t>16/10/15</a:t>
+              <a:t>16/10/16</a:t>
             </a:fld>
             <a:endParaRPr kumimoji="1" lang="ja-JP" altLang="en-US"/>
           </a:p>
@@ -2608,7 +2610,7 @@
           <a:p>
             <a:fld id="{381E6EB6-9472-41D5-AD9C-75356895F7A9}" type="datetimeFigureOut">
               <a:rPr kumimoji="1" lang="ja-JP" altLang="en-US" smtClean="0"/>
-              <a:t>16/10/15</a:t>
+              <a:t>16/10/16</a:t>
             </a:fld>
             <a:endParaRPr kumimoji="1" lang="ja-JP" altLang="en-US"/>
           </a:p>
@@ -2853,7 +2855,7 @@
           <a:p>
             <a:fld id="{381E6EB6-9472-41D5-AD9C-75356895F7A9}" type="datetimeFigureOut">
               <a:rPr kumimoji="1" lang="ja-JP" altLang="en-US" smtClean="0"/>
-              <a:t>16/10/15</a:t>
+              <a:t>16/10/16</a:t>
             </a:fld>
             <a:endParaRPr kumimoji="1" lang="ja-JP" altLang="en-US"/>
           </a:p>
@@ -3520,7 +3522,6 @@
               <a:rPr lang="en-US" altLang="ja-JP" b="1" dirty="0" smtClean="0"/>
               <a:t>(1)</a:t>
             </a:r>
-            <a:endParaRPr lang="en-US" altLang="ja-JP" b="1" dirty="0" smtClean="0"/>
           </a:p>
           <a:p>
             <a:pPr lvl="1"/>
@@ -3673,9 +3674,87 @@
             <a:pPr lvl="1"/>
             <a:r>
               <a:rPr lang="ja-JP" altLang="en-US" dirty="0" smtClean="0"/>
-              <a:t>テスト駆動開発</a:t>
-            </a:r>
-            <a:endParaRPr kumimoji="1" lang="ja-JP" altLang="en-US" dirty="0"/>
+              <a:t>テスト駆動</a:t>
+            </a:r>
+            <a:r>
+              <a:rPr lang="ja-JP" altLang="en-US" dirty="0" smtClean="0"/>
+              <a:t>開発</a:t>
+            </a:r>
+            <a:endParaRPr lang="en-US" altLang="ja-JP" dirty="0" smtClean="0"/>
+          </a:p>
+          <a:p>
+            <a:r>
+              <a:rPr kumimoji="1" lang="ja-JP" altLang="en-US" dirty="0" smtClean="0"/>
+              <a:t>カバレッジ</a:t>
+            </a:r>
+            <a:endParaRPr kumimoji="1" lang="en-US" altLang="ja-JP" dirty="0" smtClean="0"/>
+          </a:p>
+          <a:p>
+            <a:pPr lvl="1"/>
+            <a:r>
+              <a:rPr lang="en-US" altLang="ja-JP" dirty="0" err="1" smtClean="0"/>
+              <a:t>EclEmma</a:t>
+            </a:r>
+            <a:endParaRPr lang="en-US" altLang="ja-JP" dirty="0"/>
+          </a:p>
+          <a:p>
+            <a:pPr lvl="1"/>
+            <a:r>
+              <a:rPr lang="en-US" altLang="ja-JP" dirty="0" err="1"/>
+              <a:t>JUnit</a:t>
+            </a:r>
+            <a:r>
+              <a:rPr lang="ja-JP" altLang="en-US" dirty="0"/>
+              <a:t>入門その</a:t>
+            </a:r>
+            <a:r>
+              <a:rPr lang="en-US" altLang="ja-JP" dirty="0"/>
+              <a:t>8[Eclipse4.4</a:t>
+            </a:r>
+            <a:r>
+              <a:rPr lang="ja-JP" altLang="en-US" dirty="0"/>
+              <a:t>の</a:t>
+            </a:r>
+            <a:r>
+              <a:rPr lang="en-US" altLang="ja-JP" dirty="0" err="1"/>
+              <a:t>JUnit</a:t>
+            </a:r>
+            <a:r>
+              <a:rPr lang="ja-JP" altLang="en-US" dirty="0"/>
+              <a:t>プラグインのテストケースのカバレッジを</a:t>
+            </a:r>
+            <a:r>
+              <a:rPr lang="en-US" altLang="ja-JP" dirty="0" err="1"/>
+              <a:t>EclEmma</a:t>
+            </a:r>
+            <a:r>
+              <a:rPr lang="ja-JP" altLang="en-US" dirty="0"/>
+              <a:t>を利用して測定してみる</a:t>
+            </a:r>
+            <a:r>
+              <a:rPr lang="en-US" altLang="ja-JP" dirty="0"/>
+              <a:t>] </a:t>
+            </a:r>
+          </a:p>
+          <a:p>
+            <a:pPr lvl="1"/>
+            <a:r>
+              <a:rPr lang="en-US" altLang="ja-JP" dirty="0">
+                <a:hlinkClick r:id="rId2"/>
+              </a:rPr>
+              <a:t>http://javaworld.helpfulness.jp/post-66</a:t>
+            </a:r>
+            <a:r>
+              <a:rPr lang="en-US" altLang="ja-JP" dirty="0" smtClean="0">
+                <a:hlinkClick r:id="rId2"/>
+              </a:rPr>
+              <a:t>/</a:t>
+            </a:r>
+            <a:endParaRPr lang="en-US" altLang="ja-JP" dirty="0" smtClean="0"/>
+          </a:p>
+          <a:p>
+            <a:pPr lvl="1"/>
+            <a:endParaRPr lang="en-US" altLang="ja-JP" dirty="0" smtClean="0"/>
           </a:p>
         </p:txBody>
       </p:sp>
@@ -3724,116 +3803,135 @@
           <a:bodyPr/>
           <a:lstStyle/>
           <a:p>
-            <a:pPr algn="ctr"/>
-            <a:r>
-              <a:rPr kumimoji="1" lang="ja-JP" altLang="en-US" dirty="0" smtClean="0"/>
-              <a:t>開発環境</a:t>
-            </a:r>
-            <a:endParaRPr kumimoji="1" lang="ja-JP" altLang="en-US" dirty="0"/>
-          </a:p>
-        </p:txBody>
-      </p:sp>
-      <p:sp>
-        <p:nvSpPr>
-          <p:cNvPr id="3" name="コンテンツ プレースホルダー 2"/>
-          <p:cNvSpPr>
-            <a:spLocks noGrp="1"/>
-          </p:cNvSpPr>
-          <p:nvPr>
-            <p:ph idx="1"/>
-          </p:nvPr>
-        </p:nvSpPr>
-        <p:spPr/>
-        <p:txBody>
-          <a:bodyPr/>
-          <a:lstStyle/>
-          <a:p>
-            <a:r>
-              <a:rPr kumimoji="1" lang="ja-JP" altLang="en-US" dirty="0" smtClean="0"/>
-              <a:t>開発言語</a:t>
-            </a:r>
-            <a:endParaRPr kumimoji="1" lang="en-US" altLang="ja-JP" dirty="0" smtClean="0"/>
-          </a:p>
-          <a:p>
-            <a:pPr lvl="1"/>
-            <a:r>
-              <a:rPr kumimoji="1" lang="en-US" altLang="ja-JP" dirty="0" smtClean="0"/>
-              <a:t>Java</a:t>
-            </a:r>
-          </a:p>
-          <a:p>
-            <a:r>
-              <a:rPr lang="en-US" altLang="ja-JP" dirty="0" smtClean="0"/>
-              <a:t>IDE</a:t>
-            </a:r>
-          </a:p>
-          <a:p>
-            <a:pPr lvl="1"/>
-            <a:r>
-              <a:rPr lang="en-US" altLang="ja-JP" dirty="0" smtClean="0"/>
-              <a:t>Eclipse</a:t>
-            </a:r>
-          </a:p>
-          <a:p>
-            <a:r>
-              <a:rPr lang="ja-JP" altLang="en-US" dirty="0" smtClean="0"/>
-              <a:t>ソース管理</a:t>
-            </a:r>
-            <a:endParaRPr lang="en-US" altLang="ja-JP" dirty="0" smtClean="0"/>
-          </a:p>
-          <a:p>
-            <a:pPr lvl="1"/>
             <a:r>
               <a:rPr kumimoji="1" lang="en-US" altLang="ja-JP" dirty="0" err="1" smtClean="0"/>
               <a:t>Github</a:t>
             </a:r>
-            <a:endParaRPr kumimoji="1" lang="en-US" altLang="ja-JP" dirty="0" smtClean="0"/>
-          </a:p>
-          <a:p>
-            <a:pPr lvl="1"/>
+            <a:endParaRPr kumimoji="1" lang="ja-JP" altLang="en-US" dirty="0"/>
+          </a:p>
+        </p:txBody>
+      </p:sp>
+      <p:sp>
+        <p:nvSpPr>
+          <p:cNvPr id="3" name="コンテンツ プレースホルダー 2"/>
+          <p:cNvSpPr>
+            <a:spLocks noGrp="1"/>
+          </p:cNvSpPr>
+          <p:nvPr>
+            <p:ph idx="1"/>
+          </p:nvPr>
+        </p:nvSpPr>
+        <p:spPr/>
+        <p:txBody>
+          <a:bodyPr/>
+          <a:lstStyle/>
+          <a:p>
             <a:r>
               <a:rPr lang="en-US" altLang="ja-JP" dirty="0"/>
-              <a:t>https://</a:t>
+              <a:t>eclipse</a:t>
+            </a:r>
+            <a:r>
+              <a:rPr lang="ja-JP" altLang="en-US" dirty="0"/>
+              <a:t>から</a:t>
             </a:r>
             <a:r>
               <a:rPr lang="en-US" altLang="ja-JP" dirty="0" err="1"/>
-              <a:t>github.com</a:t>
+              <a:t>Github</a:t>
+            </a:r>
+            <a:r>
+              <a:rPr lang="ja-JP" altLang="en-US" dirty="0"/>
+              <a:t>へのプッシュで</a:t>
             </a:r>
             <a:r>
               <a:rPr lang="en-US" altLang="ja-JP" dirty="0"/>
-              <a:t>/</a:t>
+              <a:t>401 Authorization Required</a:t>
+            </a:r>
+            <a:r>
+              <a:rPr lang="ja-JP" altLang="en-US" dirty="0"/>
+              <a:t>エラー </a:t>
+            </a:r>
+            <a:r>
+              <a:rPr lang="en-US" altLang="ja-JP" dirty="0"/>
+              <a:t>- </a:t>
             </a:r>
             <a:r>
               <a:rPr lang="en-US" altLang="ja-JP" dirty="0" err="1"/>
-              <a:t>unokun</a:t>
+              <a:t>Qiita</a:t>
             </a:r>
             <a:r>
               <a:rPr lang="en-US" altLang="ja-JP" dirty="0"/>
-              <a:t>/</a:t>
-            </a:r>
-            <a:r>
-              <a:rPr lang="en-US" altLang="ja-JP"/>
-              <a:t>SearchEngine</a:t>
-            </a:r>
-            <a:endParaRPr kumimoji="1" lang="en-US" altLang="ja-JP" dirty="0" smtClean="0"/>
-          </a:p>
-          <a:p>
-            <a:r>
-              <a:rPr kumimoji="1" lang="ja-JP" altLang="en-US" dirty="0" smtClean="0"/>
-              <a:t>テスト</a:t>
-            </a:r>
-            <a:endParaRPr kumimoji="1" lang="en-US" altLang="ja-JP" dirty="0" smtClean="0"/>
-          </a:p>
-          <a:p>
-            <a:pPr lvl="1"/>
-            <a:r>
-              <a:rPr lang="en-US" altLang="ja-JP" dirty="0" err="1" smtClean="0"/>
-              <a:t>JUnit</a:t>
-            </a:r>
-            <a:endParaRPr kumimoji="1" lang="en-US" altLang="ja-JP" dirty="0" smtClean="0"/>
-          </a:p>
-          <a:p>
-            <a:pPr lvl="1"/>
+              <a:t> </a:t>
+            </a:r>
+          </a:p>
+          <a:p>
+            <a:r>
+              <a:rPr lang="en-US" altLang="ja-JP" dirty="0"/>
+              <a:t>http://</a:t>
+            </a:r>
+            <a:r>
+              <a:rPr lang="en-US" altLang="ja-JP" dirty="0" err="1"/>
+              <a:t>qiita.com</a:t>
+            </a:r>
+            <a:r>
+              <a:rPr lang="en-US" altLang="ja-JP" dirty="0"/>
+              <a:t>/around7days/items/229eb731e2bfdeb43376</a:t>
+            </a:r>
+          </a:p>
+          <a:p>
+            <a:r>
+              <a:rPr lang="en-US" altLang="ja-JP" dirty="0" err="1"/>
+              <a:t>GitHub</a:t>
+            </a:r>
+            <a:r>
+              <a:rPr lang="ja-JP" altLang="en-US" dirty="0"/>
+              <a:t>とかから</a:t>
+            </a:r>
+            <a:r>
+              <a:rPr lang="en-US" altLang="ja-JP" dirty="0"/>
+              <a:t>Java Project</a:t>
+            </a:r>
+            <a:r>
+              <a:rPr lang="ja-JP" altLang="en-US" dirty="0"/>
+              <a:t>を</a:t>
+            </a:r>
+            <a:r>
+              <a:rPr lang="en-US" altLang="ja-JP" dirty="0"/>
+              <a:t>Eclipse</a:t>
+            </a:r>
+            <a:r>
+              <a:rPr lang="ja-JP" altLang="en-US" dirty="0"/>
+              <a:t>に</a:t>
+            </a:r>
+            <a:r>
+              <a:rPr lang="en-US" altLang="ja-JP" dirty="0"/>
+              <a:t>import</a:t>
+            </a:r>
+            <a:r>
+              <a:rPr lang="ja-JP" altLang="en-US" dirty="0"/>
+              <a:t>するときのまとめ </a:t>
+            </a:r>
+            <a:r>
+              <a:rPr lang="en-US" altLang="ja-JP" dirty="0"/>
+              <a:t>- </a:t>
+            </a:r>
+            <a:r>
+              <a:rPr lang="ja-JP" altLang="en-US" dirty="0"/>
+              <a:t>つらねの日記 </a:t>
+            </a:r>
+          </a:p>
+          <a:p>
+            <a:r>
+              <a:rPr lang="en-US" altLang="ja-JP" dirty="0"/>
+              <a:t>http://</a:t>
+            </a:r>
+            <a:r>
+              <a:rPr lang="en-US" altLang="ja-JP" dirty="0" err="1"/>
+              <a:t>turanegaku.hateblo.jp</a:t>
+            </a:r>
+            <a:r>
+              <a:rPr lang="en-US" altLang="ja-JP" dirty="0"/>
+              <a:t>/entry/2016/01/05/203535</a:t>
+            </a:r>
             <a:endParaRPr kumimoji="1" lang="ja-JP" altLang="en-US" dirty="0"/>
           </a:p>
         </p:txBody>
@@ -3841,7 +3939,7 @@
     </p:spTree>
     <p:extLst>
       <p:ext uri="{BB962C8B-B14F-4D97-AF65-F5344CB8AC3E}">
-        <p14:creationId xmlns:p14="http://schemas.microsoft.com/office/powerpoint/2010/main" val="3210439307"/>
+        <p14:creationId xmlns:p14="http://schemas.microsoft.com/office/powerpoint/2010/main" val="807874265"/>
       </p:ext>
     </p:extLst>
   </p:cSld>
@@ -3883,18 +3981,9 @@
           <a:bodyPr/>
           <a:lstStyle/>
           <a:p>
-            <a:pPr algn="ctr"/>
-            <a:r>
-              <a:rPr kumimoji="1" lang="ja-JP" altLang="en-US" dirty="0" smtClean="0"/>
-              <a:t>例題</a:t>
-            </a:r>
-            <a:r>
-              <a:rPr kumimoji="1" lang="en-US" altLang="ja-JP" dirty="0" smtClean="0"/>
-              <a:t>)</a:t>
-            </a:r>
-            <a:r>
-              <a:rPr kumimoji="1" lang="ja-JP" altLang="en-US" dirty="0" smtClean="0"/>
-              <a:t>検索エンジン</a:t>
+            <a:r>
+              <a:rPr kumimoji="1" lang="en-US" altLang="ja-JP" dirty="0" err="1" smtClean="0"/>
+              <a:t>jMockit</a:t>
             </a:r>
             <a:endParaRPr kumimoji="1" lang="ja-JP" altLang="en-US" dirty="0"/>
           </a:p>
@@ -3916,43 +4005,38 @@
           <a:lstStyle/>
           <a:p>
             <a:r>
-              <a:rPr kumimoji="1" lang="ja-JP" altLang="en-US" dirty="0" smtClean="0"/>
-              <a:t>機能</a:t>
-            </a:r>
-            <a:endParaRPr kumimoji="1" lang="en-US" altLang="ja-JP" dirty="0" smtClean="0"/>
-          </a:p>
-          <a:p>
-            <a:pPr lvl="1"/>
-            <a:r>
-              <a:rPr kumimoji="1" lang="en-US" altLang="ja-JP" dirty="0" smtClean="0"/>
-              <a:t>Indexer</a:t>
-            </a:r>
-          </a:p>
-          <a:p>
-            <a:pPr lvl="2"/>
-            <a:r>
-              <a:rPr kumimoji="1" lang="ja-JP" altLang="en-US" dirty="0" smtClean="0"/>
-              <a:t>文書ごとに含まれるタームをデータベースに格納する</a:t>
-            </a:r>
-            <a:endParaRPr kumimoji="1" lang="en-US" altLang="ja-JP" dirty="0" smtClean="0"/>
-          </a:p>
-          <a:p>
-            <a:pPr lvl="1"/>
-            <a:r>
-              <a:rPr lang="ja-JP" altLang="ja-JP" dirty="0" smtClean="0"/>
-              <a:t>S</a:t>
-            </a:r>
-            <a:r>
-              <a:rPr lang="en-US" altLang="ja-JP" dirty="0" err="1" smtClean="0"/>
-              <a:t>earcher</a:t>
-            </a:r>
-            <a:endParaRPr lang="en-US" altLang="ja-JP" dirty="0" smtClean="0"/>
-          </a:p>
-          <a:p>
-            <a:pPr lvl="2"/>
-            <a:r>
-              <a:rPr kumimoji="1" lang="ja-JP" altLang="en-US" dirty="0" smtClean="0"/>
-              <a:t>クエリと文書の類似度を計算し、類似度の高い順に文書を並び替える。</a:t>
+              <a:rPr lang="en-US" altLang="ja-JP" dirty="0" err="1"/>
+              <a:t>JMockit</a:t>
+            </a:r>
+            <a:r>
+              <a:rPr lang="ja-JP" altLang="en-US" dirty="0"/>
+              <a:t>使い方メモ </a:t>
+            </a:r>
+            <a:r>
+              <a:rPr lang="en-US" altLang="ja-JP" dirty="0"/>
+              <a:t>- </a:t>
+            </a:r>
+            <a:r>
+              <a:rPr lang="en-US" altLang="ja-JP" dirty="0" err="1"/>
+              <a:t>Qiita</a:t>
+            </a:r>
+            <a:r>
+              <a:rPr lang="en-US" altLang="ja-JP" dirty="0"/>
+              <a:t> </a:t>
+            </a:r>
+          </a:p>
+          <a:p>
+            <a:r>
+              <a:rPr lang="en-US" altLang="ja-JP" dirty="0"/>
+              <a:t>http://</a:t>
+            </a:r>
+            <a:r>
+              <a:rPr lang="en-US" altLang="ja-JP" dirty="0" err="1"/>
+              <a:t>qiita.com</a:t>
+            </a:r>
+            <a:r>
+              <a:rPr lang="en-US" altLang="ja-JP" dirty="0"/>
+              <a:t>/opengl-8080/items/a49d4dae9067413ccdd6</a:t>
             </a:r>
             <a:endParaRPr kumimoji="1" lang="ja-JP" altLang="en-US" dirty="0"/>
           </a:p>
@@ -3961,7 +4045,7 @@
     </p:spTree>
     <p:extLst>
       <p:ext uri="{BB962C8B-B14F-4D97-AF65-F5344CB8AC3E}">
-        <p14:creationId xmlns:p14="http://schemas.microsoft.com/office/powerpoint/2010/main" val="960480589"/>
+        <p14:creationId xmlns:p14="http://schemas.microsoft.com/office/powerpoint/2010/main" val="2100154589"/>
       </p:ext>
     </p:extLst>
   </p:cSld>
@@ -3998,6 +4082,285 @@
             <p:ph type="title"/>
           </p:nvPr>
         </p:nvSpPr>
+        <p:spPr/>
+        <p:txBody>
+          <a:bodyPr/>
+          <a:lstStyle/>
+          <a:p>
+            <a:pPr algn="ctr"/>
+            <a:r>
+              <a:rPr kumimoji="1" lang="ja-JP" altLang="en-US" dirty="0" smtClean="0"/>
+              <a:t>開発環境</a:t>
+            </a:r>
+            <a:endParaRPr kumimoji="1" lang="ja-JP" altLang="en-US" dirty="0"/>
+          </a:p>
+        </p:txBody>
+      </p:sp>
+      <p:sp>
+        <p:nvSpPr>
+          <p:cNvPr id="3" name="コンテンツ プレースホルダー 2"/>
+          <p:cNvSpPr>
+            <a:spLocks noGrp="1"/>
+          </p:cNvSpPr>
+          <p:nvPr>
+            <p:ph idx="1"/>
+          </p:nvPr>
+        </p:nvSpPr>
+        <p:spPr/>
+        <p:txBody>
+          <a:bodyPr/>
+          <a:lstStyle/>
+          <a:p>
+            <a:r>
+              <a:rPr kumimoji="1" lang="ja-JP" altLang="en-US" dirty="0" smtClean="0"/>
+              <a:t>開発言語</a:t>
+            </a:r>
+            <a:endParaRPr kumimoji="1" lang="en-US" altLang="ja-JP" dirty="0" smtClean="0"/>
+          </a:p>
+          <a:p>
+            <a:pPr lvl="1"/>
+            <a:r>
+              <a:rPr kumimoji="1" lang="en-US" altLang="ja-JP" dirty="0" smtClean="0"/>
+              <a:t>Java</a:t>
+            </a:r>
+          </a:p>
+          <a:p>
+            <a:r>
+              <a:rPr lang="en-US" altLang="ja-JP" dirty="0" smtClean="0"/>
+              <a:t>IDE</a:t>
+            </a:r>
+          </a:p>
+          <a:p>
+            <a:pPr lvl="1"/>
+            <a:r>
+              <a:rPr lang="en-US" altLang="ja-JP" dirty="0" smtClean="0"/>
+              <a:t>Eclipse</a:t>
+            </a:r>
+          </a:p>
+          <a:p>
+            <a:r>
+              <a:rPr lang="ja-JP" altLang="en-US" dirty="0" smtClean="0"/>
+              <a:t>ソース管理</a:t>
+            </a:r>
+            <a:endParaRPr lang="en-US" altLang="ja-JP" dirty="0" smtClean="0"/>
+          </a:p>
+          <a:p>
+            <a:pPr lvl="1"/>
+            <a:r>
+              <a:rPr kumimoji="1" lang="en-US" altLang="ja-JP" dirty="0" err="1" smtClean="0"/>
+              <a:t>Github</a:t>
+            </a:r>
+            <a:endParaRPr kumimoji="1" lang="en-US" altLang="ja-JP" dirty="0" smtClean="0"/>
+          </a:p>
+          <a:p>
+            <a:pPr lvl="1"/>
+            <a:r>
+              <a:rPr lang="en-US" altLang="ja-JP" dirty="0"/>
+              <a:t>https://</a:t>
+            </a:r>
+            <a:r>
+              <a:rPr lang="en-US" altLang="ja-JP" dirty="0" err="1"/>
+              <a:t>github.com</a:t>
+            </a:r>
+            <a:r>
+              <a:rPr lang="en-US" altLang="ja-JP" dirty="0"/>
+              <a:t>/</a:t>
+            </a:r>
+            <a:r>
+              <a:rPr lang="en-US" altLang="ja-JP" dirty="0" err="1"/>
+              <a:t>unokun</a:t>
+            </a:r>
+            <a:r>
+              <a:rPr lang="en-US" altLang="ja-JP" dirty="0"/>
+              <a:t>/</a:t>
+            </a:r>
+            <a:r>
+              <a:rPr lang="en-US" altLang="ja-JP"/>
+              <a:t>SearchEngine</a:t>
+            </a:r>
+            <a:endParaRPr kumimoji="1" lang="en-US" altLang="ja-JP" dirty="0" smtClean="0"/>
+          </a:p>
+          <a:p>
+            <a:r>
+              <a:rPr kumimoji="1" lang="ja-JP" altLang="en-US" dirty="0" smtClean="0"/>
+              <a:t>テスト</a:t>
+            </a:r>
+            <a:endParaRPr kumimoji="1" lang="en-US" altLang="ja-JP" dirty="0" smtClean="0"/>
+          </a:p>
+          <a:p>
+            <a:pPr lvl="1"/>
+            <a:r>
+              <a:rPr lang="en-US" altLang="ja-JP" dirty="0" err="1" smtClean="0"/>
+              <a:t>JUnit</a:t>
+            </a:r>
+            <a:endParaRPr kumimoji="1" lang="en-US" altLang="ja-JP" dirty="0" smtClean="0"/>
+          </a:p>
+          <a:p>
+            <a:pPr lvl="1"/>
+            <a:endParaRPr kumimoji="1" lang="ja-JP" altLang="en-US" dirty="0"/>
+          </a:p>
+        </p:txBody>
+      </p:sp>
+    </p:spTree>
+    <p:extLst>
+      <p:ext uri="{BB962C8B-B14F-4D97-AF65-F5344CB8AC3E}">
+        <p14:creationId xmlns:p14="http://schemas.microsoft.com/office/powerpoint/2010/main" val="3210439307"/>
+      </p:ext>
+    </p:extLst>
+  </p:cSld>
+  <p:clrMapOvr>
+    <a:masterClrMapping/>
+  </p:clrMapOvr>
+</p:sld>
+</file>
+
+<file path=ppt/slides/slide8.xml><?xml version="1.0" encoding="utf-8"?>
+<p:sld xmlns:a="http://schemas.openxmlformats.org/drawingml/2006/main" xmlns:r="http://schemas.openxmlformats.org/officeDocument/2006/relationships" xmlns:p="http://schemas.openxmlformats.org/presentationml/2006/main">
+  <p:cSld>
+    <p:spTree>
+      <p:nvGrpSpPr>
+        <p:cNvPr id="1" name=""/>
+        <p:cNvGrpSpPr/>
+        <p:nvPr/>
+      </p:nvGrpSpPr>
+      <p:grpSpPr>
+        <a:xfrm>
+          <a:off x="0" y="0"/>
+          <a:ext cx="0" cy="0"/>
+          <a:chOff x="0" y="0"/>
+          <a:chExt cx="0" cy="0"/>
+        </a:xfrm>
+      </p:grpSpPr>
+      <p:sp>
+        <p:nvSpPr>
+          <p:cNvPr id="2" name="タイトル 1"/>
+          <p:cNvSpPr>
+            <a:spLocks noGrp="1"/>
+          </p:cNvSpPr>
+          <p:nvPr>
+            <p:ph type="title"/>
+          </p:nvPr>
+        </p:nvSpPr>
+        <p:spPr/>
+        <p:txBody>
+          <a:bodyPr/>
+          <a:lstStyle/>
+          <a:p>
+            <a:pPr algn="ctr"/>
+            <a:r>
+              <a:rPr kumimoji="1" lang="ja-JP" altLang="en-US" dirty="0" smtClean="0"/>
+              <a:t>例題</a:t>
+            </a:r>
+            <a:r>
+              <a:rPr kumimoji="1" lang="en-US" altLang="ja-JP" dirty="0" smtClean="0"/>
+              <a:t>)</a:t>
+            </a:r>
+            <a:r>
+              <a:rPr kumimoji="1" lang="ja-JP" altLang="en-US" dirty="0" smtClean="0"/>
+              <a:t>検索エンジン</a:t>
+            </a:r>
+            <a:endParaRPr kumimoji="1" lang="ja-JP" altLang="en-US" dirty="0"/>
+          </a:p>
+        </p:txBody>
+      </p:sp>
+      <p:sp>
+        <p:nvSpPr>
+          <p:cNvPr id="3" name="コンテンツ プレースホルダー 2"/>
+          <p:cNvSpPr>
+            <a:spLocks noGrp="1"/>
+          </p:cNvSpPr>
+          <p:nvPr>
+            <p:ph idx="1"/>
+          </p:nvPr>
+        </p:nvSpPr>
+        <p:spPr/>
+        <p:txBody>
+          <a:bodyPr/>
+          <a:lstStyle/>
+          <a:p>
+            <a:r>
+              <a:rPr kumimoji="1" lang="ja-JP" altLang="en-US" dirty="0" smtClean="0"/>
+              <a:t>機能</a:t>
+            </a:r>
+            <a:endParaRPr kumimoji="1" lang="en-US" altLang="ja-JP" dirty="0" smtClean="0"/>
+          </a:p>
+          <a:p>
+            <a:pPr lvl="1"/>
+            <a:r>
+              <a:rPr kumimoji="1" lang="en-US" altLang="ja-JP" dirty="0" smtClean="0"/>
+              <a:t>Indexer</a:t>
+            </a:r>
+          </a:p>
+          <a:p>
+            <a:pPr lvl="2"/>
+            <a:r>
+              <a:rPr kumimoji="1" lang="ja-JP" altLang="en-US" dirty="0" smtClean="0"/>
+              <a:t>文書ごとに含まれるタームをデータベースに格納する</a:t>
+            </a:r>
+            <a:endParaRPr kumimoji="1" lang="en-US" altLang="ja-JP" dirty="0" smtClean="0"/>
+          </a:p>
+          <a:p>
+            <a:pPr lvl="1"/>
+            <a:r>
+              <a:rPr lang="ja-JP" altLang="ja-JP" dirty="0" smtClean="0"/>
+              <a:t>S</a:t>
+            </a:r>
+            <a:r>
+              <a:rPr lang="en-US" altLang="ja-JP" dirty="0" err="1" smtClean="0"/>
+              <a:t>earcher</a:t>
+            </a:r>
+            <a:endParaRPr lang="en-US" altLang="ja-JP" dirty="0" smtClean="0"/>
+          </a:p>
+          <a:p>
+            <a:pPr lvl="2"/>
+            <a:r>
+              <a:rPr kumimoji="1" lang="ja-JP" altLang="en-US" dirty="0" smtClean="0"/>
+              <a:t>クエリと文書の類似度を計算し、類似度の高い順に文書を並び替える。</a:t>
+            </a:r>
+            <a:endParaRPr kumimoji="1" lang="ja-JP" altLang="en-US" dirty="0"/>
+          </a:p>
+        </p:txBody>
+      </p:sp>
+    </p:spTree>
+    <p:extLst>
+      <p:ext uri="{BB962C8B-B14F-4D97-AF65-F5344CB8AC3E}">
+        <p14:creationId xmlns:p14="http://schemas.microsoft.com/office/powerpoint/2010/main" val="960480589"/>
+      </p:ext>
+    </p:extLst>
+  </p:cSld>
+  <p:clrMapOvr>
+    <a:masterClrMapping/>
+  </p:clrMapOvr>
+</p:sld>
+</file>
+
+<file path=ppt/slides/slide9.xml><?xml version="1.0" encoding="utf-8"?>
+<p:sld xmlns:a="http://schemas.openxmlformats.org/drawingml/2006/main" xmlns:r="http://schemas.openxmlformats.org/officeDocument/2006/relationships" xmlns:p="http://schemas.openxmlformats.org/presentationml/2006/main">
+  <p:cSld>
+    <p:spTree>
+      <p:nvGrpSpPr>
+        <p:cNvPr id="1" name=""/>
+        <p:cNvGrpSpPr/>
+        <p:nvPr/>
+      </p:nvGrpSpPr>
+      <p:grpSpPr>
+        <a:xfrm>
+          <a:off x="0" y="0"/>
+          <a:ext cx="0" cy="0"/>
+          <a:chOff x="0" y="0"/>
+          <a:chExt cx="0" cy="0"/>
+        </a:xfrm>
+      </p:grpSpPr>
+      <p:sp>
+        <p:nvSpPr>
+          <p:cNvPr id="2" name="タイトル 1"/>
+          <p:cNvSpPr>
+            <a:spLocks noGrp="1"/>
+          </p:cNvSpPr>
+          <p:nvPr>
+            <p:ph type="title"/>
+          </p:nvPr>
+        </p:nvSpPr>
         <p:spPr>
           <a:xfrm>
             <a:off x="838200" y="365126"/>
@@ -4011,11 +4374,7 @@
             <a:pPr algn="ctr"/>
             <a:r>
               <a:rPr kumimoji="1" lang="ja-JP" altLang="en-US" dirty="0" smtClean="0"/>
-              <a:t>クラス</a:t>
-            </a:r>
-            <a:r>
-              <a:rPr kumimoji="1" lang="ja-JP" altLang="en-US" dirty="0" smtClean="0"/>
-              <a:t>構成</a:t>
+              <a:t>クラス構成</a:t>
             </a:r>
             <a:r>
               <a:rPr kumimoji="1" lang="en-US" altLang="ja-JP" dirty="0" smtClean="0"/>
@@ -5620,7 +5979,7 @@
   <a:extraClrSchemeLst/>
   <a:extLst>
     <a:ext uri="{05A4C25C-085E-4340-85A3-A5531E510DB2}">
-      <thm15:themeFamily xmlns:thm15="http://schemas.microsoft.com/office/thememl/2012/main" xmlns="" name="Office Theme" id="{62F939B6-93AF-4DB8-9C6B-D6C7DFDC589F}" vid="{4A3C46E8-61CC-4603-A589-7422A47A8E4A}"/>
+      <thm15:themeFamily xmlns="" xmlns:thm15="http://schemas.microsoft.com/office/thememl/2012/main" name="Office Theme" id="{62F939B6-93AF-4DB8-9C6B-D6C7DFDC589F}" vid="{4A3C46E8-61CC-4603-A589-7422A47A8E4A}"/>
     </a:ext>
   </a:extLst>
 </a:theme>

--- a/doc/検索エンジン.pptx
+++ b/doc/検索エンジン.pptx
@@ -11,9 +11,11 @@
     <p:sldId id="261" r:id="rId5"/>
     <p:sldId id="263" r:id="rId6"/>
     <p:sldId id="264" r:id="rId7"/>
-    <p:sldId id="262" r:id="rId8"/>
-    <p:sldId id="260" r:id="rId9"/>
-    <p:sldId id="257" r:id="rId10"/>
+    <p:sldId id="265" r:id="rId8"/>
+    <p:sldId id="266" r:id="rId9"/>
+    <p:sldId id="262" r:id="rId10"/>
+    <p:sldId id="260" r:id="rId11"/>
+    <p:sldId id="257" r:id="rId12"/>
   </p:sldIdLst>
   <p:sldSz cx="12192000" cy="6858000"/>
   <p:notesSz cx="6858000" cy="9144000"/>
@@ -246,7 +248,7 @@
           <a:p>
             <a:fld id="{381E6EB6-9472-41D5-AD9C-75356895F7A9}" type="datetimeFigureOut">
               <a:rPr kumimoji="1" lang="ja-JP" altLang="en-US" smtClean="0"/>
-              <a:t>16/10/16</a:t>
+              <a:t>16/10/23</a:t>
             </a:fld>
             <a:endParaRPr kumimoji="1" lang="ja-JP" altLang="en-US"/>
           </a:p>
@@ -448,7 +450,7 @@
           <a:p>
             <a:fld id="{381E6EB6-9472-41D5-AD9C-75356895F7A9}" type="datetimeFigureOut">
               <a:rPr kumimoji="1" lang="ja-JP" altLang="en-US" smtClean="0"/>
-              <a:t>16/10/16</a:t>
+              <a:t>16/10/23</a:t>
             </a:fld>
             <a:endParaRPr kumimoji="1" lang="ja-JP" altLang="en-US"/>
           </a:p>
@@ -660,7 +662,7 @@
           <a:p>
             <a:fld id="{381E6EB6-9472-41D5-AD9C-75356895F7A9}" type="datetimeFigureOut">
               <a:rPr kumimoji="1" lang="ja-JP" altLang="en-US" smtClean="0"/>
-              <a:t>16/10/16</a:t>
+              <a:t>16/10/23</a:t>
             </a:fld>
             <a:endParaRPr kumimoji="1" lang="ja-JP" altLang="en-US"/>
           </a:p>
@@ -862,7 +864,7 @@
           <a:p>
             <a:fld id="{381E6EB6-9472-41D5-AD9C-75356895F7A9}" type="datetimeFigureOut">
               <a:rPr kumimoji="1" lang="ja-JP" altLang="en-US" smtClean="0"/>
-              <a:t>16/10/16</a:t>
+              <a:t>16/10/23</a:t>
             </a:fld>
             <a:endParaRPr kumimoji="1" lang="ja-JP" altLang="en-US"/>
           </a:p>
@@ -1108,7 +1110,7 @@
           <a:p>
             <a:fld id="{381E6EB6-9472-41D5-AD9C-75356895F7A9}" type="datetimeFigureOut">
               <a:rPr kumimoji="1" lang="ja-JP" altLang="en-US" smtClean="0"/>
-              <a:t>16/10/16</a:t>
+              <a:t>16/10/23</a:t>
             </a:fld>
             <a:endParaRPr kumimoji="1" lang="ja-JP" altLang="en-US"/>
           </a:p>
@@ -1404,7 +1406,7 @@
           <a:p>
             <a:fld id="{381E6EB6-9472-41D5-AD9C-75356895F7A9}" type="datetimeFigureOut">
               <a:rPr kumimoji="1" lang="ja-JP" altLang="en-US" smtClean="0"/>
-              <a:t>16/10/16</a:t>
+              <a:t>16/10/23</a:t>
             </a:fld>
             <a:endParaRPr kumimoji="1" lang="ja-JP" altLang="en-US"/>
           </a:p>
@@ -1835,7 +1837,7 @@
           <a:p>
             <a:fld id="{381E6EB6-9472-41D5-AD9C-75356895F7A9}" type="datetimeFigureOut">
               <a:rPr kumimoji="1" lang="ja-JP" altLang="en-US" smtClean="0"/>
-              <a:t>16/10/16</a:t>
+              <a:t>16/10/23</a:t>
             </a:fld>
             <a:endParaRPr kumimoji="1" lang="ja-JP" altLang="en-US"/>
           </a:p>
@@ -1953,7 +1955,7 @@
           <a:p>
             <a:fld id="{381E6EB6-9472-41D5-AD9C-75356895F7A9}" type="datetimeFigureOut">
               <a:rPr kumimoji="1" lang="ja-JP" altLang="en-US" smtClean="0"/>
-              <a:t>16/10/16</a:t>
+              <a:t>16/10/23</a:t>
             </a:fld>
             <a:endParaRPr kumimoji="1" lang="ja-JP" altLang="en-US"/>
           </a:p>
@@ -2048,7 +2050,7 @@
           <a:p>
             <a:fld id="{381E6EB6-9472-41D5-AD9C-75356895F7A9}" type="datetimeFigureOut">
               <a:rPr kumimoji="1" lang="ja-JP" altLang="en-US" smtClean="0"/>
-              <a:t>16/10/16</a:t>
+              <a:t>16/10/23</a:t>
             </a:fld>
             <a:endParaRPr kumimoji="1" lang="ja-JP" altLang="en-US"/>
           </a:p>
@@ -2357,7 +2359,7 @@
           <a:p>
             <a:fld id="{381E6EB6-9472-41D5-AD9C-75356895F7A9}" type="datetimeFigureOut">
               <a:rPr kumimoji="1" lang="ja-JP" altLang="en-US" smtClean="0"/>
-              <a:t>16/10/16</a:t>
+              <a:t>16/10/23</a:t>
             </a:fld>
             <a:endParaRPr kumimoji="1" lang="ja-JP" altLang="en-US"/>
           </a:p>
@@ -2610,7 +2612,7 @@
           <a:p>
             <a:fld id="{381E6EB6-9472-41D5-AD9C-75356895F7A9}" type="datetimeFigureOut">
               <a:rPr kumimoji="1" lang="ja-JP" altLang="en-US" smtClean="0"/>
-              <a:t>16/10/16</a:t>
+              <a:t>16/10/23</a:t>
             </a:fld>
             <a:endParaRPr kumimoji="1" lang="ja-JP" altLang="en-US"/>
           </a:p>
@@ -2855,7 +2857,7 @@
           <a:p>
             <a:fld id="{381E6EB6-9472-41D5-AD9C-75356895F7A9}" type="datetimeFigureOut">
               <a:rPr kumimoji="1" lang="ja-JP" altLang="en-US" smtClean="0"/>
-              <a:t>16/10/16</a:t>
+              <a:t>16/10/23</a:t>
             </a:fld>
             <a:endParaRPr kumimoji="1" lang="ja-JP" altLang="en-US"/>
           </a:p>
@@ -3315,6 +3317,1516 @@
 </p:sld>
 </file>
 
+<file path=ppt/slides/slide10.xml><?xml version="1.0" encoding="utf-8"?>
+<p:sld xmlns:a="http://schemas.openxmlformats.org/drawingml/2006/main" xmlns:r="http://schemas.openxmlformats.org/officeDocument/2006/relationships" xmlns:p="http://schemas.openxmlformats.org/presentationml/2006/main">
+  <p:cSld>
+    <p:spTree>
+      <p:nvGrpSpPr>
+        <p:cNvPr id="1" name=""/>
+        <p:cNvGrpSpPr/>
+        <p:nvPr/>
+      </p:nvGrpSpPr>
+      <p:grpSpPr>
+        <a:xfrm>
+          <a:off x="0" y="0"/>
+          <a:ext cx="0" cy="0"/>
+          <a:chOff x="0" y="0"/>
+          <a:chExt cx="0" cy="0"/>
+        </a:xfrm>
+      </p:grpSpPr>
+      <p:sp>
+        <p:nvSpPr>
+          <p:cNvPr id="2" name="タイトル 1"/>
+          <p:cNvSpPr>
+            <a:spLocks noGrp="1"/>
+          </p:cNvSpPr>
+          <p:nvPr>
+            <p:ph type="title"/>
+          </p:nvPr>
+        </p:nvSpPr>
+        <p:spPr/>
+        <p:txBody>
+          <a:bodyPr/>
+          <a:lstStyle/>
+          <a:p>
+            <a:pPr algn="ctr"/>
+            <a:r>
+              <a:rPr kumimoji="1" lang="ja-JP" altLang="en-US" dirty="0" smtClean="0"/>
+              <a:t>例題</a:t>
+            </a:r>
+            <a:r>
+              <a:rPr kumimoji="1" lang="en-US" altLang="ja-JP" dirty="0" smtClean="0"/>
+              <a:t>)</a:t>
+            </a:r>
+            <a:r>
+              <a:rPr kumimoji="1" lang="ja-JP" altLang="en-US" dirty="0" smtClean="0"/>
+              <a:t>検索エンジン</a:t>
+            </a:r>
+            <a:endParaRPr kumimoji="1" lang="ja-JP" altLang="en-US" dirty="0"/>
+          </a:p>
+        </p:txBody>
+      </p:sp>
+      <p:sp>
+        <p:nvSpPr>
+          <p:cNvPr id="3" name="コンテンツ プレースホルダー 2"/>
+          <p:cNvSpPr>
+            <a:spLocks noGrp="1"/>
+          </p:cNvSpPr>
+          <p:nvPr>
+            <p:ph idx="1"/>
+          </p:nvPr>
+        </p:nvSpPr>
+        <p:spPr/>
+        <p:txBody>
+          <a:bodyPr/>
+          <a:lstStyle/>
+          <a:p>
+            <a:r>
+              <a:rPr kumimoji="1" lang="ja-JP" altLang="en-US" dirty="0" smtClean="0"/>
+              <a:t>機能</a:t>
+            </a:r>
+            <a:endParaRPr kumimoji="1" lang="en-US" altLang="ja-JP" dirty="0" smtClean="0"/>
+          </a:p>
+          <a:p>
+            <a:pPr lvl="1"/>
+            <a:r>
+              <a:rPr kumimoji="1" lang="en-US" altLang="ja-JP" dirty="0" smtClean="0"/>
+              <a:t>Indexer</a:t>
+            </a:r>
+          </a:p>
+          <a:p>
+            <a:pPr lvl="2"/>
+            <a:r>
+              <a:rPr kumimoji="1" lang="ja-JP" altLang="en-US" dirty="0" smtClean="0"/>
+              <a:t>文書ごとに含まれるタームをデータベースに格納する</a:t>
+            </a:r>
+            <a:endParaRPr kumimoji="1" lang="en-US" altLang="ja-JP" dirty="0" smtClean="0"/>
+          </a:p>
+          <a:p>
+            <a:pPr lvl="1"/>
+            <a:r>
+              <a:rPr lang="ja-JP" altLang="ja-JP" dirty="0" smtClean="0"/>
+              <a:t>S</a:t>
+            </a:r>
+            <a:r>
+              <a:rPr lang="en-US" altLang="ja-JP" dirty="0" err="1" smtClean="0"/>
+              <a:t>earcher</a:t>
+            </a:r>
+            <a:endParaRPr lang="en-US" altLang="ja-JP" dirty="0" smtClean="0"/>
+          </a:p>
+          <a:p>
+            <a:pPr lvl="2"/>
+            <a:r>
+              <a:rPr kumimoji="1" lang="ja-JP" altLang="en-US" dirty="0" smtClean="0"/>
+              <a:t>クエリと文書の類似度を計算し、類似度の高い順に文書を並び替える。</a:t>
+            </a:r>
+            <a:endParaRPr kumimoji="1" lang="ja-JP" altLang="en-US" dirty="0"/>
+          </a:p>
+        </p:txBody>
+      </p:sp>
+    </p:spTree>
+    <p:extLst>
+      <p:ext uri="{BB962C8B-B14F-4D97-AF65-F5344CB8AC3E}">
+        <p14:creationId xmlns:p14="http://schemas.microsoft.com/office/powerpoint/2010/main" val="960480589"/>
+      </p:ext>
+    </p:extLst>
+  </p:cSld>
+  <p:clrMapOvr>
+    <a:masterClrMapping/>
+  </p:clrMapOvr>
+</p:sld>
+</file>
+
+<file path=ppt/slides/slide11.xml><?xml version="1.0" encoding="utf-8"?>
+<p:sld xmlns:a="http://schemas.openxmlformats.org/drawingml/2006/main" xmlns:r="http://schemas.openxmlformats.org/officeDocument/2006/relationships" xmlns:p="http://schemas.openxmlformats.org/presentationml/2006/main">
+  <p:cSld>
+    <p:spTree>
+      <p:nvGrpSpPr>
+        <p:cNvPr id="1" name=""/>
+        <p:cNvGrpSpPr/>
+        <p:nvPr/>
+      </p:nvGrpSpPr>
+      <p:grpSpPr>
+        <a:xfrm>
+          <a:off x="0" y="0"/>
+          <a:ext cx="0" cy="0"/>
+          <a:chOff x="0" y="0"/>
+          <a:chExt cx="0" cy="0"/>
+        </a:xfrm>
+      </p:grpSpPr>
+      <p:sp>
+        <p:nvSpPr>
+          <p:cNvPr id="2" name="タイトル 1"/>
+          <p:cNvSpPr>
+            <a:spLocks noGrp="1"/>
+          </p:cNvSpPr>
+          <p:nvPr>
+            <p:ph type="title"/>
+          </p:nvPr>
+        </p:nvSpPr>
+        <p:spPr>
+          <a:xfrm>
+            <a:off x="838200" y="365126"/>
+            <a:ext cx="10515600" cy="716700"/>
+          </a:xfrm>
+        </p:spPr>
+        <p:txBody>
+          <a:bodyPr/>
+          <a:lstStyle/>
+          <a:p>
+            <a:pPr algn="ctr"/>
+            <a:r>
+              <a:rPr kumimoji="1" lang="ja-JP" altLang="en-US" dirty="0" smtClean="0"/>
+              <a:t>クラス構成</a:t>
+            </a:r>
+            <a:r>
+              <a:rPr kumimoji="1" lang="en-US" altLang="ja-JP" dirty="0" smtClean="0"/>
+              <a:t>(Indexer)</a:t>
+            </a:r>
+            <a:endParaRPr kumimoji="1" lang="ja-JP" altLang="en-US" dirty="0"/>
+          </a:p>
+        </p:txBody>
+      </p:sp>
+      <p:sp>
+        <p:nvSpPr>
+          <p:cNvPr id="3" name="正方形/長方形 2"/>
+          <p:cNvSpPr/>
+          <p:nvPr/>
+        </p:nvSpPr>
+        <p:spPr>
+          <a:xfrm>
+            <a:off x="1568740" y="5298993"/>
+            <a:ext cx="2129160" cy="425003"/>
+          </a:xfrm>
+          <a:prstGeom prst="rect">
+            <a:avLst/>
+          </a:prstGeom>
+        </p:spPr>
+        <p:style>
+          <a:lnRef idx="2">
+            <a:schemeClr val="dk1"/>
+          </a:lnRef>
+          <a:fillRef idx="1">
+            <a:schemeClr val="lt1"/>
+          </a:fillRef>
+          <a:effectRef idx="0">
+            <a:schemeClr val="dk1"/>
+          </a:effectRef>
+          <a:fontRef idx="minor">
+            <a:schemeClr val="dk1"/>
+          </a:fontRef>
+        </p:style>
+        <p:txBody>
+          <a:bodyPr rtlCol="0" anchor="ctr"/>
+          <a:lstStyle/>
+          <a:p>
+            <a:pPr algn="ctr"/>
+            <a:r>
+              <a:rPr kumimoji="1" lang="en-US" altLang="ja-JP" dirty="0" err="1" smtClean="0"/>
+              <a:t>EventListener</a:t>
+            </a:r>
+            <a:endParaRPr kumimoji="1" lang="ja-JP" altLang="en-US" dirty="0"/>
+          </a:p>
+        </p:txBody>
+      </p:sp>
+      <p:sp>
+        <p:nvSpPr>
+          <p:cNvPr id="4" name="正方形/長方形 3"/>
+          <p:cNvSpPr/>
+          <p:nvPr/>
+        </p:nvSpPr>
+        <p:spPr>
+          <a:xfrm>
+            <a:off x="1607378" y="3456168"/>
+            <a:ext cx="2060620" cy="425003"/>
+          </a:xfrm>
+          <a:prstGeom prst="rect">
+            <a:avLst/>
+          </a:prstGeom>
+        </p:spPr>
+        <p:style>
+          <a:lnRef idx="2">
+            <a:schemeClr val="dk1"/>
+          </a:lnRef>
+          <a:fillRef idx="1">
+            <a:schemeClr val="lt1"/>
+          </a:fillRef>
+          <a:effectRef idx="0">
+            <a:schemeClr val="dk1"/>
+          </a:effectRef>
+          <a:fontRef idx="minor">
+            <a:schemeClr val="dk1"/>
+          </a:fontRef>
+        </p:style>
+        <p:txBody>
+          <a:bodyPr rtlCol="0" anchor="ctr"/>
+          <a:lstStyle/>
+          <a:p>
+            <a:pPr algn="ctr"/>
+            <a:r>
+              <a:rPr kumimoji="1" lang="en-US" altLang="ja-JP" dirty="0" smtClean="0"/>
+              <a:t>Scanner</a:t>
+            </a:r>
+            <a:endParaRPr kumimoji="1" lang="ja-JP" altLang="en-US" dirty="0"/>
+          </a:p>
+        </p:txBody>
+      </p:sp>
+      <p:sp>
+        <p:nvSpPr>
+          <p:cNvPr id="6" name="正方形/長方形 5"/>
+          <p:cNvSpPr/>
+          <p:nvPr/>
+        </p:nvSpPr>
+        <p:spPr>
+          <a:xfrm>
+            <a:off x="5795156" y="3823036"/>
+            <a:ext cx="2060620" cy="425003"/>
+          </a:xfrm>
+          <a:prstGeom prst="rect">
+            <a:avLst/>
+          </a:prstGeom>
+        </p:spPr>
+        <p:style>
+          <a:lnRef idx="2">
+            <a:schemeClr val="dk1"/>
+          </a:lnRef>
+          <a:fillRef idx="1">
+            <a:schemeClr val="lt1"/>
+          </a:fillRef>
+          <a:effectRef idx="0">
+            <a:schemeClr val="dk1"/>
+          </a:effectRef>
+          <a:fontRef idx="minor">
+            <a:schemeClr val="dk1"/>
+          </a:fontRef>
+        </p:style>
+        <p:txBody>
+          <a:bodyPr rtlCol="0" anchor="ctr"/>
+          <a:lstStyle/>
+          <a:p>
+            <a:pPr algn="ctr"/>
+            <a:r>
+              <a:rPr kumimoji="1" lang="en-US" altLang="ja-JP" dirty="0" err="1" smtClean="0"/>
+              <a:t>TextExtractor</a:t>
+            </a:r>
+            <a:endParaRPr kumimoji="1" lang="ja-JP" altLang="en-US" dirty="0"/>
+          </a:p>
+        </p:txBody>
+      </p:sp>
+      <p:sp>
+        <p:nvSpPr>
+          <p:cNvPr id="11" name="正方形/長方形 10"/>
+          <p:cNvSpPr/>
+          <p:nvPr/>
+        </p:nvSpPr>
+        <p:spPr>
+          <a:xfrm>
+            <a:off x="2030591" y="1853230"/>
+            <a:ext cx="602729" cy="369332"/>
+          </a:xfrm>
+          <a:prstGeom prst="rect">
+            <a:avLst/>
+          </a:prstGeom>
+        </p:spPr>
+        <p:txBody>
+          <a:bodyPr wrap="none">
+            <a:spAutoFit/>
+          </a:bodyPr>
+          <a:lstStyle/>
+          <a:p>
+            <a:r>
+              <a:rPr lang="en-US" altLang="ja-JP" dirty="0" smtClean="0"/>
+              <a:t>scan</a:t>
+            </a:r>
+            <a:endParaRPr lang="ja-JP" altLang="en-US" dirty="0"/>
+          </a:p>
+        </p:txBody>
+      </p:sp>
+      <p:sp>
+        <p:nvSpPr>
+          <p:cNvPr id="15" name="角丸四角形 14"/>
+          <p:cNvSpPr/>
+          <p:nvPr/>
+        </p:nvSpPr>
+        <p:spPr>
+          <a:xfrm>
+            <a:off x="1583933" y="1195448"/>
+            <a:ext cx="2060620" cy="425003"/>
+          </a:xfrm>
+          <a:prstGeom prst="roundRect">
+            <a:avLst/>
+          </a:prstGeom>
+        </p:spPr>
+        <p:style>
+          <a:lnRef idx="2">
+            <a:schemeClr val="dk1"/>
+          </a:lnRef>
+          <a:fillRef idx="1">
+            <a:schemeClr val="lt1"/>
+          </a:fillRef>
+          <a:effectRef idx="0">
+            <a:schemeClr val="dk1"/>
+          </a:effectRef>
+          <a:fontRef idx="minor">
+            <a:schemeClr val="dk1"/>
+          </a:fontRef>
+        </p:style>
+        <p:txBody>
+          <a:bodyPr rtlCol="0" anchor="ctr"/>
+          <a:lstStyle/>
+          <a:p>
+            <a:pPr algn="ctr"/>
+            <a:r>
+              <a:rPr lang="en-US" altLang="ja-JP" dirty="0" smtClean="0"/>
+              <a:t>Indexer</a:t>
+            </a:r>
+            <a:endParaRPr kumimoji="1" lang="ja-JP" altLang="en-US" dirty="0"/>
+          </a:p>
+        </p:txBody>
+      </p:sp>
+      <p:sp>
+        <p:nvSpPr>
+          <p:cNvPr id="19" name="角丸四角形 18"/>
+          <p:cNvSpPr/>
+          <p:nvPr/>
+        </p:nvSpPr>
+        <p:spPr>
+          <a:xfrm>
+            <a:off x="1354094" y="2722068"/>
+            <a:ext cx="2528551" cy="1326525"/>
+          </a:xfrm>
+          <a:prstGeom prst="roundRect">
+            <a:avLst/>
+          </a:prstGeom>
+          <a:noFill/>
+        </p:spPr>
+        <p:style>
+          <a:lnRef idx="2">
+            <a:schemeClr val="dk1"/>
+          </a:lnRef>
+          <a:fillRef idx="1">
+            <a:schemeClr val="lt1"/>
+          </a:fillRef>
+          <a:effectRef idx="0">
+            <a:schemeClr val="dk1"/>
+          </a:effectRef>
+          <a:fontRef idx="minor">
+            <a:schemeClr val="dk1"/>
+          </a:fontRef>
+        </p:style>
+        <p:txBody>
+          <a:bodyPr rtlCol="0" anchor="t"/>
+          <a:lstStyle/>
+          <a:p>
+            <a:pPr algn="ctr"/>
+            <a:r>
+              <a:rPr lang="en-US" altLang="ja-JP" dirty="0" err="1" smtClean="0"/>
+              <a:t>LFSScanner</a:t>
+            </a:r>
+            <a:endParaRPr kumimoji="1" lang="ja-JP" altLang="en-US" dirty="0"/>
+          </a:p>
+        </p:txBody>
+      </p:sp>
+      <p:sp>
+        <p:nvSpPr>
+          <p:cNvPr id="20" name="角丸四角形 19"/>
+          <p:cNvSpPr/>
+          <p:nvPr/>
+        </p:nvSpPr>
+        <p:spPr>
+          <a:xfrm>
+            <a:off x="1354093" y="4564893"/>
+            <a:ext cx="2528551" cy="1326525"/>
+          </a:xfrm>
+          <a:prstGeom prst="roundRect">
+            <a:avLst/>
+          </a:prstGeom>
+          <a:noFill/>
+        </p:spPr>
+        <p:style>
+          <a:lnRef idx="2">
+            <a:schemeClr val="dk1"/>
+          </a:lnRef>
+          <a:fillRef idx="1">
+            <a:schemeClr val="lt1"/>
+          </a:fillRef>
+          <a:effectRef idx="0">
+            <a:schemeClr val="dk1"/>
+          </a:effectRef>
+          <a:fontRef idx="minor">
+            <a:schemeClr val="dk1"/>
+          </a:fontRef>
+        </p:style>
+        <p:txBody>
+          <a:bodyPr rtlCol="0" anchor="t"/>
+          <a:lstStyle/>
+          <a:p>
+            <a:pPr algn="ctr"/>
+            <a:r>
+              <a:rPr lang="en-US" altLang="ja-JP" dirty="0" err="1"/>
+              <a:t>DocumentQueue</a:t>
+            </a:r>
+            <a:endParaRPr kumimoji="1" lang="ja-JP" altLang="en-US" dirty="0"/>
+          </a:p>
+        </p:txBody>
+      </p:sp>
+      <p:cxnSp>
+        <p:nvCxnSpPr>
+          <p:cNvPr id="29" name="カギ線コネクタ 28"/>
+          <p:cNvCxnSpPr>
+            <a:stCxn id="82" idx="1"/>
+            <a:endCxn id="20" idx="3"/>
+          </p:cNvCxnSpPr>
+          <p:nvPr/>
+        </p:nvCxnSpPr>
+        <p:spPr>
+          <a:xfrm rot="10800000" flipV="1">
+            <a:off x="3882645" y="2203478"/>
+            <a:ext cx="1620591" cy="3024677"/>
+          </a:xfrm>
+          <a:prstGeom prst="bentConnector3">
+            <a:avLst>
+              <a:gd name="adj1" fmla="val 50000"/>
+            </a:avLst>
+          </a:prstGeom>
+          <a:ln>
+            <a:tailEnd type="triangle"/>
+          </a:ln>
+        </p:spPr>
+        <p:style>
+          <a:lnRef idx="1">
+            <a:schemeClr val="dk1"/>
+          </a:lnRef>
+          <a:fillRef idx="0">
+            <a:schemeClr val="dk1"/>
+          </a:fillRef>
+          <a:effectRef idx="0">
+            <a:schemeClr val="dk1"/>
+          </a:effectRef>
+          <a:fontRef idx="minor">
+            <a:schemeClr val="tx1"/>
+          </a:fontRef>
+        </p:style>
+      </p:cxnSp>
+      <p:sp>
+        <p:nvSpPr>
+          <p:cNvPr id="30" name="正方形/長方形 29"/>
+          <p:cNvSpPr/>
+          <p:nvPr/>
+        </p:nvSpPr>
+        <p:spPr>
+          <a:xfrm>
+            <a:off x="266243" y="4263747"/>
+            <a:ext cx="737638" cy="369332"/>
+          </a:xfrm>
+          <a:prstGeom prst="rect">
+            <a:avLst/>
+          </a:prstGeom>
+        </p:spPr>
+        <p:txBody>
+          <a:bodyPr wrap="none">
+            <a:spAutoFit/>
+          </a:bodyPr>
+          <a:lstStyle/>
+          <a:p>
+            <a:r>
+              <a:rPr lang="en-US" altLang="ja-JP" dirty="0" smtClean="0"/>
+              <a:t>found</a:t>
+            </a:r>
+            <a:endParaRPr lang="ja-JP" altLang="en-US" dirty="0"/>
+          </a:p>
+        </p:txBody>
+      </p:sp>
+      <p:cxnSp>
+        <p:nvCxnSpPr>
+          <p:cNvPr id="31" name="直線矢印コネクタ 30"/>
+          <p:cNvCxnSpPr>
+            <a:stCxn id="38" idx="2"/>
+            <a:endCxn id="36" idx="0"/>
+          </p:cNvCxnSpPr>
+          <p:nvPr/>
+        </p:nvCxnSpPr>
+        <p:spPr>
+          <a:xfrm>
+            <a:off x="6786829" y="4494549"/>
+            <a:ext cx="0" cy="555244"/>
+          </a:xfrm>
+          <a:prstGeom prst="straightConnector1">
+            <a:avLst/>
+          </a:prstGeom>
+          <a:ln>
+            <a:tailEnd type="triangle"/>
+          </a:ln>
+        </p:spPr>
+        <p:style>
+          <a:lnRef idx="1">
+            <a:schemeClr val="dk1"/>
+          </a:lnRef>
+          <a:fillRef idx="0">
+            <a:schemeClr val="dk1"/>
+          </a:fillRef>
+          <a:effectRef idx="0">
+            <a:schemeClr val="dk1"/>
+          </a:effectRef>
+          <a:fontRef idx="minor">
+            <a:schemeClr val="tx1"/>
+          </a:fontRef>
+        </p:style>
+      </p:cxnSp>
+      <p:sp>
+        <p:nvSpPr>
+          <p:cNvPr id="35" name="角丸四角形 34"/>
+          <p:cNvSpPr/>
+          <p:nvPr/>
+        </p:nvSpPr>
+        <p:spPr>
+          <a:xfrm>
+            <a:off x="5765105" y="5952348"/>
+            <a:ext cx="2043448" cy="378312"/>
+          </a:xfrm>
+          <a:prstGeom prst="roundRect">
+            <a:avLst/>
+          </a:prstGeom>
+          <a:noFill/>
+        </p:spPr>
+        <p:style>
+          <a:lnRef idx="2">
+            <a:schemeClr val="dk1"/>
+          </a:lnRef>
+          <a:fillRef idx="1">
+            <a:schemeClr val="lt1"/>
+          </a:fillRef>
+          <a:effectRef idx="0">
+            <a:schemeClr val="dk1"/>
+          </a:effectRef>
+          <a:fontRef idx="minor">
+            <a:schemeClr val="dk1"/>
+          </a:fontRef>
+        </p:style>
+        <p:txBody>
+          <a:bodyPr rtlCol="0" anchor="ctr"/>
+          <a:lstStyle/>
+          <a:p>
+            <a:pPr algn="ctr"/>
+            <a:r>
+              <a:rPr lang="en-US" altLang="ja-JP" dirty="0" smtClean="0"/>
+              <a:t>SQLite</a:t>
+            </a:r>
+            <a:endParaRPr kumimoji="1" lang="ja-JP" altLang="en-US" dirty="0"/>
+          </a:p>
+        </p:txBody>
+      </p:sp>
+      <p:sp>
+        <p:nvSpPr>
+          <p:cNvPr id="36" name="角丸四角形 35"/>
+          <p:cNvSpPr/>
+          <p:nvPr/>
+        </p:nvSpPr>
+        <p:spPr>
+          <a:xfrm>
+            <a:off x="5765105" y="5049793"/>
+            <a:ext cx="2043448" cy="378312"/>
+          </a:xfrm>
+          <a:prstGeom prst="roundRect">
+            <a:avLst/>
+          </a:prstGeom>
+          <a:noFill/>
+        </p:spPr>
+        <p:style>
+          <a:lnRef idx="2">
+            <a:schemeClr val="dk1"/>
+          </a:lnRef>
+          <a:fillRef idx="1">
+            <a:schemeClr val="lt1"/>
+          </a:fillRef>
+          <a:effectRef idx="0">
+            <a:schemeClr val="dk1"/>
+          </a:effectRef>
+          <a:fontRef idx="minor">
+            <a:schemeClr val="dk1"/>
+          </a:fontRef>
+        </p:style>
+        <p:txBody>
+          <a:bodyPr rtlCol="0" anchor="ctr"/>
+          <a:lstStyle/>
+          <a:p>
+            <a:pPr algn="ctr"/>
+            <a:r>
+              <a:rPr lang="en-US" altLang="ja-JP" dirty="0" err="1"/>
+              <a:t>JapaneseTokenizer</a:t>
+            </a:r>
+            <a:endParaRPr kumimoji="1" lang="ja-JP" altLang="en-US" dirty="0"/>
+          </a:p>
+        </p:txBody>
+      </p:sp>
+      <p:sp>
+        <p:nvSpPr>
+          <p:cNvPr id="38" name="角丸四角形 37"/>
+          <p:cNvSpPr/>
+          <p:nvPr/>
+        </p:nvSpPr>
+        <p:spPr>
+          <a:xfrm>
+            <a:off x="5503235" y="3267792"/>
+            <a:ext cx="2567188" cy="1226757"/>
+          </a:xfrm>
+          <a:prstGeom prst="roundRect">
+            <a:avLst/>
+          </a:prstGeom>
+          <a:noFill/>
+        </p:spPr>
+        <p:style>
+          <a:lnRef idx="2">
+            <a:schemeClr val="dk1"/>
+          </a:lnRef>
+          <a:fillRef idx="1">
+            <a:schemeClr val="lt1"/>
+          </a:fillRef>
+          <a:effectRef idx="0">
+            <a:schemeClr val="dk1"/>
+          </a:effectRef>
+          <a:fontRef idx="minor">
+            <a:schemeClr val="dk1"/>
+          </a:fontRef>
+        </p:style>
+        <p:txBody>
+          <a:bodyPr rtlCol="0" anchor="t"/>
+          <a:lstStyle/>
+          <a:p>
+            <a:pPr algn="ctr"/>
+            <a:r>
+              <a:rPr lang="en-US" altLang="ja-JP" dirty="0" err="1" smtClean="0"/>
+              <a:t>PlainTextExtractor</a:t>
+            </a:r>
+            <a:endParaRPr kumimoji="1" lang="ja-JP" altLang="en-US" dirty="0"/>
+          </a:p>
+        </p:txBody>
+      </p:sp>
+      <p:cxnSp>
+        <p:nvCxnSpPr>
+          <p:cNvPr id="46" name="直線矢印コネクタ 45"/>
+          <p:cNvCxnSpPr>
+            <a:stCxn id="36" idx="2"/>
+            <a:endCxn id="35" idx="0"/>
+          </p:cNvCxnSpPr>
+          <p:nvPr/>
+        </p:nvCxnSpPr>
+        <p:spPr>
+          <a:xfrm>
+            <a:off x="6786829" y="5428105"/>
+            <a:ext cx="0" cy="524243"/>
+          </a:xfrm>
+          <a:prstGeom prst="straightConnector1">
+            <a:avLst/>
+          </a:prstGeom>
+          <a:ln>
+            <a:tailEnd type="triangle"/>
+          </a:ln>
+        </p:spPr>
+        <p:style>
+          <a:lnRef idx="1">
+            <a:schemeClr val="dk1"/>
+          </a:lnRef>
+          <a:fillRef idx="0">
+            <a:schemeClr val="dk1"/>
+          </a:fillRef>
+          <a:effectRef idx="0">
+            <a:schemeClr val="dk1"/>
+          </a:effectRef>
+          <a:fontRef idx="minor">
+            <a:schemeClr val="tx1"/>
+          </a:fontRef>
+        </p:style>
+      </p:cxnSp>
+      <p:sp>
+        <p:nvSpPr>
+          <p:cNvPr id="52" name="正方形/長方形 51"/>
+          <p:cNvSpPr/>
+          <p:nvPr/>
+        </p:nvSpPr>
+        <p:spPr>
+          <a:xfrm>
+            <a:off x="8768366" y="966275"/>
+            <a:ext cx="1032456" cy="254767"/>
+          </a:xfrm>
+          <a:prstGeom prst="rect">
+            <a:avLst/>
+          </a:prstGeom>
+        </p:spPr>
+        <p:style>
+          <a:lnRef idx="2">
+            <a:schemeClr val="dk1"/>
+          </a:lnRef>
+          <a:fillRef idx="1">
+            <a:schemeClr val="lt1"/>
+          </a:fillRef>
+          <a:effectRef idx="0">
+            <a:schemeClr val="dk1"/>
+          </a:effectRef>
+          <a:fontRef idx="minor">
+            <a:schemeClr val="dk1"/>
+          </a:fontRef>
+        </p:style>
+        <p:txBody>
+          <a:bodyPr rtlCol="0" anchor="ctr"/>
+          <a:lstStyle/>
+          <a:p>
+            <a:pPr algn="ctr"/>
+            <a:endParaRPr kumimoji="1" lang="ja-JP" altLang="en-US" dirty="0"/>
+          </a:p>
+        </p:txBody>
+      </p:sp>
+      <p:sp>
+        <p:nvSpPr>
+          <p:cNvPr id="53" name="正方形/長方形 52"/>
+          <p:cNvSpPr/>
+          <p:nvPr/>
+        </p:nvSpPr>
+        <p:spPr>
+          <a:xfrm>
+            <a:off x="9963617" y="936155"/>
+            <a:ext cx="1017138" cy="369332"/>
+          </a:xfrm>
+          <a:prstGeom prst="rect">
+            <a:avLst/>
+          </a:prstGeom>
+        </p:spPr>
+        <p:txBody>
+          <a:bodyPr wrap="none">
+            <a:spAutoFit/>
+          </a:bodyPr>
+          <a:lstStyle/>
+          <a:p>
+            <a:r>
+              <a:rPr lang="en-US" altLang="ja-JP" dirty="0" smtClean="0"/>
+              <a:t>interface</a:t>
+            </a:r>
+            <a:endParaRPr lang="ja-JP" altLang="en-US" dirty="0"/>
+          </a:p>
+        </p:txBody>
+      </p:sp>
+      <p:sp>
+        <p:nvSpPr>
+          <p:cNvPr id="54" name="角丸四角形 53"/>
+          <p:cNvSpPr/>
+          <p:nvPr/>
+        </p:nvSpPr>
+        <p:spPr>
+          <a:xfrm>
+            <a:off x="8770512" y="1473991"/>
+            <a:ext cx="1030310" cy="275185"/>
+          </a:xfrm>
+          <a:prstGeom prst="roundRect">
+            <a:avLst/>
+          </a:prstGeom>
+        </p:spPr>
+        <p:style>
+          <a:lnRef idx="2">
+            <a:schemeClr val="dk1"/>
+          </a:lnRef>
+          <a:fillRef idx="1">
+            <a:schemeClr val="lt1"/>
+          </a:fillRef>
+          <a:effectRef idx="0">
+            <a:schemeClr val="dk1"/>
+          </a:effectRef>
+          <a:fontRef idx="minor">
+            <a:schemeClr val="dk1"/>
+          </a:fontRef>
+        </p:style>
+        <p:txBody>
+          <a:bodyPr rtlCol="0" anchor="ctr"/>
+          <a:lstStyle/>
+          <a:p>
+            <a:pPr algn="ctr"/>
+            <a:endParaRPr kumimoji="1" lang="ja-JP" altLang="en-US" dirty="0"/>
+          </a:p>
+        </p:txBody>
+      </p:sp>
+      <p:sp>
+        <p:nvSpPr>
+          <p:cNvPr id="55" name="正方形/長方形 54"/>
+          <p:cNvSpPr/>
+          <p:nvPr/>
+        </p:nvSpPr>
+        <p:spPr>
+          <a:xfrm>
+            <a:off x="9963617" y="1407950"/>
+            <a:ext cx="625492" cy="369332"/>
+          </a:xfrm>
+          <a:prstGeom prst="rect">
+            <a:avLst/>
+          </a:prstGeom>
+        </p:spPr>
+        <p:txBody>
+          <a:bodyPr wrap="none">
+            <a:spAutoFit/>
+          </a:bodyPr>
+          <a:lstStyle/>
+          <a:p>
+            <a:r>
+              <a:rPr lang="en-US" altLang="ja-JP" dirty="0" smtClean="0"/>
+              <a:t>class</a:t>
+            </a:r>
+            <a:endParaRPr lang="ja-JP" altLang="en-US" dirty="0"/>
+          </a:p>
+        </p:txBody>
+      </p:sp>
+      <p:cxnSp>
+        <p:nvCxnSpPr>
+          <p:cNvPr id="66" name="カギ線コネクタ 65"/>
+          <p:cNvCxnSpPr>
+            <a:stCxn id="19" idx="1"/>
+            <a:endCxn id="3" idx="1"/>
+          </p:cNvCxnSpPr>
+          <p:nvPr/>
+        </p:nvCxnSpPr>
+        <p:spPr>
+          <a:xfrm rot="10800000" flipH="1" flipV="1">
+            <a:off x="1354094" y="3385331"/>
+            <a:ext cx="214646" cy="2126164"/>
+          </a:xfrm>
+          <a:prstGeom prst="bentConnector3">
+            <a:avLst>
+              <a:gd name="adj1" fmla="val -106501"/>
+            </a:avLst>
+          </a:prstGeom>
+          <a:ln>
+            <a:tailEnd type="triangle"/>
+          </a:ln>
+        </p:spPr>
+        <p:style>
+          <a:lnRef idx="1">
+            <a:schemeClr val="dk1"/>
+          </a:lnRef>
+          <a:fillRef idx="0">
+            <a:schemeClr val="dk1"/>
+          </a:fillRef>
+          <a:effectRef idx="0">
+            <a:schemeClr val="dk1"/>
+          </a:effectRef>
+          <a:fontRef idx="minor">
+            <a:schemeClr val="tx1"/>
+          </a:fontRef>
+        </p:style>
+      </p:cxnSp>
+      <p:cxnSp>
+        <p:nvCxnSpPr>
+          <p:cNvPr id="70" name="直線矢印コネクタ 69"/>
+          <p:cNvCxnSpPr>
+            <a:stCxn id="15" idx="2"/>
+            <a:endCxn id="19" idx="0"/>
+          </p:cNvCxnSpPr>
+          <p:nvPr/>
+        </p:nvCxnSpPr>
+        <p:spPr>
+          <a:xfrm>
+            <a:off x="2614243" y="1620451"/>
+            <a:ext cx="4127" cy="1101617"/>
+          </a:xfrm>
+          <a:prstGeom prst="straightConnector1">
+            <a:avLst/>
+          </a:prstGeom>
+          <a:ln>
+            <a:tailEnd type="triangle"/>
+          </a:ln>
+        </p:spPr>
+        <p:style>
+          <a:lnRef idx="1">
+            <a:schemeClr val="dk1"/>
+          </a:lnRef>
+          <a:fillRef idx="0">
+            <a:schemeClr val="dk1"/>
+          </a:fillRef>
+          <a:effectRef idx="0">
+            <a:schemeClr val="dk1"/>
+          </a:effectRef>
+          <a:fontRef idx="minor">
+            <a:schemeClr val="tx1"/>
+          </a:fontRef>
+        </p:style>
+      </p:cxnSp>
+      <p:sp>
+        <p:nvSpPr>
+          <p:cNvPr id="82" name="角丸四角形 81"/>
+          <p:cNvSpPr/>
+          <p:nvPr/>
+        </p:nvSpPr>
+        <p:spPr>
+          <a:xfrm>
+            <a:off x="5503235" y="1870962"/>
+            <a:ext cx="2567188" cy="665034"/>
+          </a:xfrm>
+          <a:prstGeom prst="roundRect">
+            <a:avLst/>
+          </a:prstGeom>
+          <a:noFill/>
+        </p:spPr>
+        <p:style>
+          <a:lnRef idx="2">
+            <a:schemeClr val="dk1"/>
+          </a:lnRef>
+          <a:fillRef idx="1">
+            <a:schemeClr val="lt1"/>
+          </a:fillRef>
+          <a:effectRef idx="0">
+            <a:schemeClr val="dk1"/>
+          </a:effectRef>
+          <a:fontRef idx="minor">
+            <a:schemeClr val="dk1"/>
+          </a:fontRef>
+        </p:style>
+        <p:txBody>
+          <a:bodyPr rtlCol="0" anchor="ctr"/>
+          <a:lstStyle/>
+          <a:p>
+            <a:pPr algn="ctr"/>
+            <a:r>
+              <a:rPr lang="en-US" altLang="ja-JP" dirty="0" err="1" smtClean="0"/>
+              <a:t>DocIndexer</a:t>
+            </a:r>
+            <a:endParaRPr kumimoji="1" lang="ja-JP" altLang="en-US" dirty="0"/>
+          </a:p>
+        </p:txBody>
+      </p:sp>
+      <p:sp>
+        <p:nvSpPr>
+          <p:cNvPr id="88" name="角丸四角形 87"/>
+          <p:cNvSpPr/>
+          <p:nvPr/>
+        </p:nvSpPr>
+        <p:spPr>
+          <a:xfrm>
+            <a:off x="9058382" y="3479469"/>
+            <a:ext cx="2567188" cy="536038"/>
+          </a:xfrm>
+          <a:prstGeom prst="roundRect">
+            <a:avLst/>
+          </a:prstGeom>
+          <a:noFill/>
+        </p:spPr>
+        <p:style>
+          <a:lnRef idx="2">
+            <a:schemeClr val="dk1"/>
+          </a:lnRef>
+          <a:fillRef idx="1">
+            <a:schemeClr val="lt1"/>
+          </a:fillRef>
+          <a:effectRef idx="0">
+            <a:schemeClr val="dk1"/>
+          </a:effectRef>
+          <a:fontRef idx="minor">
+            <a:schemeClr val="dk1"/>
+          </a:fontRef>
+        </p:style>
+        <p:txBody>
+          <a:bodyPr rtlCol="0" anchor="ctr"/>
+          <a:lstStyle/>
+          <a:p>
+            <a:pPr algn="ctr"/>
+            <a:r>
+              <a:rPr lang="en-US" altLang="ja-JP" dirty="0" err="1" smtClean="0"/>
+              <a:t>TextExtractorFactory</a:t>
+            </a:r>
+            <a:endParaRPr kumimoji="1" lang="ja-JP" altLang="en-US" dirty="0"/>
+          </a:p>
+        </p:txBody>
+      </p:sp>
+      <p:sp>
+        <p:nvSpPr>
+          <p:cNvPr id="92" name="正方形/長方形 91"/>
+          <p:cNvSpPr/>
+          <p:nvPr/>
+        </p:nvSpPr>
+        <p:spPr>
+          <a:xfrm>
+            <a:off x="4232856" y="5376005"/>
+            <a:ext cx="534121" cy="369332"/>
+          </a:xfrm>
+          <a:prstGeom prst="rect">
+            <a:avLst/>
+          </a:prstGeom>
+        </p:spPr>
+        <p:txBody>
+          <a:bodyPr wrap="none">
+            <a:spAutoFit/>
+          </a:bodyPr>
+          <a:lstStyle/>
+          <a:p>
+            <a:r>
+              <a:rPr lang="en-US" altLang="ja-JP" dirty="0" smtClean="0"/>
+              <a:t>poll</a:t>
+            </a:r>
+            <a:endParaRPr lang="ja-JP" altLang="en-US" dirty="0"/>
+          </a:p>
+        </p:txBody>
+      </p:sp>
+      <p:cxnSp>
+        <p:nvCxnSpPr>
+          <p:cNvPr id="93" name="直線矢印コネクタ 92"/>
+          <p:cNvCxnSpPr>
+            <a:stCxn id="82" idx="2"/>
+            <a:endCxn id="38" idx="0"/>
+          </p:cNvCxnSpPr>
+          <p:nvPr/>
+        </p:nvCxnSpPr>
+        <p:spPr>
+          <a:xfrm>
+            <a:off x="6786829" y="2535996"/>
+            <a:ext cx="0" cy="731796"/>
+          </a:xfrm>
+          <a:prstGeom prst="straightConnector1">
+            <a:avLst/>
+          </a:prstGeom>
+          <a:ln>
+            <a:tailEnd type="triangle"/>
+          </a:ln>
+        </p:spPr>
+        <p:style>
+          <a:lnRef idx="1">
+            <a:schemeClr val="dk1"/>
+          </a:lnRef>
+          <a:fillRef idx="0">
+            <a:schemeClr val="dk1"/>
+          </a:fillRef>
+          <a:effectRef idx="0">
+            <a:schemeClr val="dk1"/>
+          </a:effectRef>
+          <a:fontRef idx="minor">
+            <a:schemeClr val="tx1"/>
+          </a:fontRef>
+        </p:style>
+      </p:cxnSp>
+      <p:sp>
+        <p:nvSpPr>
+          <p:cNvPr id="96" name="正方形/長方形 95"/>
+          <p:cNvSpPr/>
+          <p:nvPr/>
+        </p:nvSpPr>
+        <p:spPr>
+          <a:xfrm>
+            <a:off x="5458258" y="2763490"/>
+            <a:ext cx="834396" cy="369332"/>
+          </a:xfrm>
+          <a:prstGeom prst="rect">
+            <a:avLst/>
+          </a:prstGeom>
+        </p:spPr>
+        <p:txBody>
+          <a:bodyPr wrap="none">
+            <a:spAutoFit/>
+          </a:bodyPr>
+          <a:lstStyle/>
+          <a:p>
+            <a:r>
+              <a:rPr lang="en-US" altLang="ja-JP" dirty="0" smtClean="0"/>
+              <a:t>extract</a:t>
+            </a:r>
+            <a:endParaRPr lang="ja-JP" altLang="en-US" dirty="0"/>
+          </a:p>
+        </p:txBody>
+      </p:sp>
+      <p:sp>
+        <p:nvSpPr>
+          <p:cNvPr id="97" name="正方形/長方形 96"/>
+          <p:cNvSpPr/>
+          <p:nvPr/>
+        </p:nvSpPr>
+        <p:spPr>
+          <a:xfrm>
+            <a:off x="7480521" y="4618617"/>
+            <a:ext cx="698461" cy="369332"/>
+          </a:xfrm>
+          <a:prstGeom prst="rect">
+            <a:avLst/>
+          </a:prstGeom>
+        </p:spPr>
+        <p:txBody>
+          <a:bodyPr wrap="none">
+            <a:spAutoFit/>
+          </a:bodyPr>
+          <a:lstStyle/>
+          <a:p>
+            <a:r>
+              <a:rPr lang="en-US" altLang="ja-JP" dirty="0" smtClean="0"/>
+              <a:t>parse</a:t>
+            </a:r>
+            <a:endParaRPr lang="ja-JP" altLang="en-US" dirty="0"/>
+          </a:p>
+        </p:txBody>
+      </p:sp>
+      <p:sp>
+        <p:nvSpPr>
+          <p:cNvPr id="101" name="正方形/長方形 100"/>
+          <p:cNvSpPr/>
+          <p:nvPr/>
+        </p:nvSpPr>
+        <p:spPr>
+          <a:xfrm>
+            <a:off x="7480521" y="5616643"/>
+            <a:ext cx="660950" cy="369332"/>
+          </a:xfrm>
+          <a:prstGeom prst="rect">
+            <a:avLst/>
+          </a:prstGeom>
+        </p:spPr>
+        <p:txBody>
+          <a:bodyPr wrap="none">
+            <a:spAutoFit/>
+          </a:bodyPr>
+          <a:lstStyle/>
+          <a:p>
+            <a:r>
+              <a:rPr lang="en-US" altLang="ja-JP" dirty="0" smtClean="0"/>
+              <a:t>store</a:t>
+            </a:r>
+            <a:endParaRPr lang="ja-JP" altLang="en-US" dirty="0"/>
+          </a:p>
+        </p:txBody>
+      </p:sp>
+      <p:sp>
+        <p:nvSpPr>
+          <p:cNvPr id="102" name="角丸四角形 101"/>
+          <p:cNvSpPr/>
+          <p:nvPr/>
+        </p:nvSpPr>
+        <p:spPr>
+          <a:xfrm>
+            <a:off x="5007399" y="1558296"/>
+            <a:ext cx="3600318" cy="5048566"/>
+          </a:xfrm>
+          <a:prstGeom prst="roundRect">
+            <a:avLst/>
+          </a:prstGeom>
+          <a:noFill/>
+          <a:ln>
+            <a:prstDash val="dash"/>
+          </a:ln>
+        </p:spPr>
+        <p:style>
+          <a:lnRef idx="2">
+            <a:schemeClr val="dk1"/>
+          </a:lnRef>
+          <a:fillRef idx="1">
+            <a:schemeClr val="lt1"/>
+          </a:fillRef>
+          <a:effectRef idx="0">
+            <a:schemeClr val="dk1"/>
+          </a:effectRef>
+          <a:fontRef idx="minor">
+            <a:schemeClr val="dk1"/>
+          </a:fontRef>
+        </p:style>
+        <p:txBody>
+          <a:bodyPr rtlCol="0" anchor="ctr"/>
+          <a:lstStyle/>
+          <a:p>
+            <a:pPr algn="ctr"/>
+            <a:endParaRPr kumimoji="1" lang="ja-JP" altLang="en-US" dirty="0"/>
+          </a:p>
+        </p:txBody>
+      </p:sp>
+      <p:sp>
+        <p:nvSpPr>
+          <p:cNvPr id="103" name="角丸四角形 102"/>
+          <p:cNvSpPr/>
+          <p:nvPr/>
+        </p:nvSpPr>
+        <p:spPr>
+          <a:xfrm>
+            <a:off x="8770512" y="2011454"/>
+            <a:ext cx="1030310" cy="275185"/>
+          </a:xfrm>
+          <a:prstGeom prst="roundRect">
+            <a:avLst/>
+          </a:prstGeom>
+          <a:ln>
+            <a:prstDash val="dash"/>
+          </a:ln>
+        </p:spPr>
+        <p:style>
+          <a:lnRef idx="2">
+            <a:schemeClr val="dk1"/>
+          </a:lnRef>
+          <a:fillRef idx="1">
+            <a:schemeClr val="lt1"/>
+          </a:fillRef>
+          <a:effectRef idx="0">
+            <a:schemeClr val="dk1"/>
+          </a:effectRef>
+          <a:fontRef idx="minor">
+            <a:schemeClr val="dk1"/>
+          </a:fontRef>
+        </p:style>
+        <p:txBody>
+          <a:bodyPr rtlCol="0" anchor="ctr"/>
+          <a:lstStyle/>
+          <a:p>
+            <a:pPr algn="ctr"/>
+            <a:endParaRPr kumimoji="1" lang="ja-JP" altLang="en-US" dirty="0"/>
+          </a:p>
+        </p:txBody>
+      </p:sp>
+      <p:sp>
+        <p:nvSpPr>
+          <p:cNvPr id="104" name="正方形/長方形 103"/>
+          <p:cNvSpPr/>
+          <p:nvPr/>
+        </p:nvSpPr>
+        <p:spPr>
+          <a:xfrm>
+            <a:off x="8630973" y="2761840"/>
+            <a:ext cx="3441968" cy="646331"/>
+          </a:xfrm>
+          <a:prstGeom prst="rect">
+            <a:avLst/>
+          </a:prstGeom>
+        </p:spPr>
+        <p:txBody>
+          <a:bodyPr wrap="none">
+            <a:spAutoFit/>
+          </a:bodyPr>
+          <a:lstStyle/>
+          <a:p>
+            <a:r>
+              <a:rPr lang="ja-JP" altLang="en-US" dirty="0" smtClean="0"/>
+              <a:t>ドキュメントの種類に応じて</a:t>
+            </a:r>
+            <a:endParaRPr lang="en-US" altLang="ja-JP" dirty="0" smtClean="0"/>
+          </a:p>
+          <a:p>
+            <a:r>
+              <a:rPr lang="ja-JP" altLang="en-US" dirty="0" smtClean="0"/>
+              <a:t>テキスト抽出器を作成する</a:t>
+            </a:r>
+            <a:r>
+              <a:rPr lang="en-US" altLang="ja-JP" dirty="0" smtClean="0"/>
+              <a:t>Factory</a:t>
+            </a:r>
+            <a:endParaRPr lang="ja-JP" altLang="en-US" dirty="0"/>
+          </a:p>
+        </p:txBody>
+      </p:sp>
+      <p:sp>
+        <p:nvSpPr>
+          <p:cNvPr id="105" name="角丸四角形 104"/>
+          <p:cNvSpPr/>
+          <p:nvPr/>
+        </p:nvSpPr>
+        <p:spPr>
+          <a:xfrm>
+            <a:off x="814084" y="2462071"/>
+            <a:ext cx="3600318" cy="1785968"/>
+          </a:xfrm>
+          <a:prstGeom prst="roundRect">
+            <a:avLst/>
+          </a:prstGeom>
+          <a:noFill/>
+          <a:ln>
+            <a:prstDash val="dash"/>
+          </a:ln>
+        </p:spPr>
+        <p:style>
+          <a:lnRef idx="2">
+            <a:schemeClr val="dk1"/>
+          </a:lnRef>
+          <a:fillRef idx="1">
+            <a:schemeClr val="lt1"/>
+          </a:fillRef>
+          <a:effectRef idx="0">
+            <a:schemeClr val="dk1"/>
+          </a:effectRef>
+          <a:fontRef idx="minor">
+            <a:schemeClr val="dk1"/>
+          </a:fontRef>
+        </p:style>
+        <p:txBody>
+          <a:bodyPr rtlCol="0" anchor="ctr"/>
+          <a:lstStyle/>
+          <a:p>
+            <a:pPr algn="ctr"/>
+            <a:endParaRPr kumimoji="1" lang="ja-JP" altLang="en-US" dirty="0"/>
+          </a:p>
+        </p:txBody>
+      </p:sp>
+      <p:sp>
+        <p:nvSpPr>
+          <p:cNvPr id="106" name="角丸四角形 105"/>
+          <p:cNvSpPr/>
+          <p:nvPr/>
+        </p:nvSpPr>
+        <p:spPr>
+          <a:xfrm>
+            <a:off x="9428788" y="4174925"/>
+            <a:ext cx="2567188" cy="536038"/>
+          </a:xfrm>
+          <a:prstGeom prst="roundRect">
+            <a:avLst/>
+          </a:prstGeom>
+          <a:noFill/>
+        </p:spPr>
+        <p:style>
+          <a:lnRef idx="2">
+            <a:schemeClr val="dk1"/>
+          </a:lnRef>
+          <a:fillRef idx="1">
+            <a:schemeClr val="lt1"/>
+          </a:fillRef>
+          <a:effectRef idx="0">
+            <a:schemeClr val="dk1"/>
+          </a:effectRef>
+          <a:fontRef idx="minor">
+            <a:schemeClr val="dk1"/>
+          </a:fontRef>
+        </p:style>
+        <p:txBody>
+          <a:bodyPr rtlCol="0" anchor="ctr"/>
+          <a:lstStyle/>
+          <a:p>
+            <a:pPr algn="ctr"/>
+            <a:r>
+              <a:rPr lang="en-US" altLang="ja-JP" dirty="0" err="1" smtClean="0"/>
+              <a:t>PlainTextExtractor</a:t>
+            </a:r>
+            <a:endParaRPr kumimoji="1" lang="ja-JP" altLang="en-US" dirty="0"/>
+          </a:p>
+        </p:txBody>
+      </p:sp>
+      <p:sp>
+        <p:nvSpPr>
+          <p:cNvPr id="107" name="角丸四角形 106"/>
+          <p:cNvSpPr/>
+          <p:nvPr/>
+        </p:nvSpPr>
+        <p:spPr>
+          <a:xfrm>
+            <a:off x="9428788" y="4894551"/>
+            <a:ext cx="2567188" cy="536038"/>
+          </a:xfrm>
+          <a:prstGeom prst="roundRect">
+            <a:avLst/>
+          </a:prstGeom>
+          <a:noFill/>
+        </p:spPr>
+        <p:style>
+          <a:lnRef idx="2">
+            <a:schemeClr val="dk1"/>
+          </a:lnRef>
+          <a:fillRef idx="1">
+            <a:schemeClr val="lt1"/>
+          </a:fillRef>
+          <a:effectRef idx="0">
+            <a:schemeClr val="dk1"/>
+          </a:effectRef>
+          <a:fontRef idx="minor">
+            <a:schemeClr val="dk1"/>
+          </a:fontRef>
+        </p:style>
+        <p:txBody>
+          <a:bodyPr rtlCol="0" anchor="ctr"/>
+          <a:lstStyle/>
+          <a:p>
+            <a:pPr algn="ctr"/>
+            <a:r>
+              <a:rPr lang="en-US" altLang="ja-JP" dirty="0" err="1" smtClean="0"/>
+              <a:t>WordTextExtractor</a:t>
+            </a:r>
+            <a:endParaRPr kumimoji="1" lang="ja-JP" altLang="en-US" dirty="0"/>
+          </a:p>
+        </p:txBody>
+      </p:sp>
+      <p:sp>
+        <p:nvSpPr>
+          <p:cNvPr id="108" name="角丸四角形 107"/>
+          <p:cNvSpPr/>
+          <p:nvPr/>
+        </p:nvSpPr>
+        <p:spPr>
+          <a:xfrm>
+            <a:off x="9428788" y="5587682"/>
+            <a:ext cx="2567188" cy="536038"/>
+          </a:xfrm>
+          <a:prstGeom prst="roundRect">
+            <a:avLst/>
+          </a:prstGeom>
+          <a:noFill/>
+        </p:spPr>
+        <p:style>
+          <a:lnRef idx="2">
+            <a:schemeClr val="dk1"/>
+          </a:lnRef>
+          <a:fillRef idx="1">
+            <a:schemeClr val="lt1"/>
+          </a:fillRef>
+          <a:effectRef idx="0">
+            <a:schemeClr val="dk1"/>
+          </a:effectRef>
+          <a:fontRef idx="minor">
+            <a:schemeClr val="dk1"/>
+          </a:fontRef>
+        </p:style>
+        <p:txBody>
+          <a:bodyPr rtlCol="0" anchor="ctr"/>
+          <a:lstStyle/>
+          <a:p>
+            <a:pPr algn="ctr"/>
+            <a:r>
+              <a:rPr lang="en-US" altLang="ja-JP" dirty="0" err="1" smtClean="0"/>
+              <a:t>PDFTextExtractor</a:t>
+            </a:r>
+            <a:endParaRPr kumimoji="1" lang="ja-JP" altLang="en-US" dirty="0"/>
+          </a:p>
+        </p:txBody>
+      </p:sp>
+      <p:sp>
+        <p:nvSpPr>
+          <p:cNvPr id="37" name="正方形/長方形 36"/>
+          <p:cNvSpPr/>
+          <p:nvPr/>
+        </p:nvSpPr>
+        <p:spPr>
+          <a:xfrm>
+            <a:off x="9957271" y="1957244"/>
+            <a:ext cx="810438" cy="369332"/>
+          </a:xfrm>
+          <a:prstGeom prst="rect">
+            <a:avLst/>
+          </a:prstGeom>
+        </p:spPr>
+        <p:txBody>
+          <a:bodyPr wrap="none">
+            <a:spAutoFit/>
+          </a:bodyPr>
+          <a:lstStyle/>
+          <a:p>
+            <a:r>
+              <a:rPr lang="en-US" altLang="ja-JP" dirty="0" smtClean="0"/>
+              <a:t>thread</a:t>
+            </a:r>
+            <a:endParaRPr lang="ja-JP" altLang="en-US" dirty="0"/>
+          </a:p>
+        </p:txBody>
+      </p:sp>
+    </p:spTree>
+    <p:extLst>
+      <p:ext uri="{BB962C8B-B14F-4D97-AF65-F5344CB8AC3E}">
+        <p14:creationId xmlns:p14="http://schemas.microsoft.com/office/powerpoint/2010/main" val="2912959273"/>
+      </p:ext>
+    </p:extLst>
+  </p:cSld>
+  <p:clrMapOvr>
+    <a:masterClrMapping/>
+  </p:clrMapOvr>
+  <p:timing>
+    <p:tnLst>
+      <p:par>
+        <p:cTn xmlns:p14="http://schemas.microsoft.com/office/powerpoint/2010/main" id="1" dur="indefinite" restart="never" nodeType="tmRoot"/>
+      </p:par>
+    </p:tnLst>
+  </p:timing>
+</p:sld>
+</file>
+
 <file path=ppt/slides/slide2.xml><?xml version="1.0" encoding="utf-8"?>
 <p:sld xmlns:a="http://schemas.openxmlformats.org/drawingml/2006/main" xmlns:r="http://schemas.openxmlformats.org/officeDocument/2006/relationships" xmlns:p="http://schemas.openxmlformats.org/presentationml/2006/main">
   <p:cSld>
@@ -3674,11 +5186,7 @@
             <a:pPr lvl="1"/>
             <a:r>
               <a:rPr lang="ja-JP" altLang="en-US" dirty="0" smtClean="0"/>
-              <a:t>テスト駆動</a:t>
-            </a:r>
-            <a:r>
-              <a:rPr lang="ja-JP" altLang="en-US" dirty="0" smtClean="0"/>
-              <a:t>開発</a:t>
+              <a:t>テスト駆動開発</a:t>
             </a:r>
             <a:endParaRPr lang="en-US" altLang="ja-JP" dirty="0" smtClean="0"/>
           </a:p>
@@ -4087,10 +5595,9 @@
           <a:bodyPr/>
           <a:lstStyle/>
           <a:p>
-            <a:pPr algn="ctr"/>
-            <a:r>
-              <a:rPr kumimoji="1" lang="ja-JP" altLang="en-US" dirty="0" smtClean="0"/>
-              <a:t>開発環境</a:t>
+            <a:r>
+              <a:rPr kumimoji="1" lang="en-US" altLang="ja-JP" dirty="0" err="1" smtClean="0"/>
+              <a:t>Mockito</a:t>
             </a:r>
             <a:endParaRPr kumimoji="1" lang="ja-JP" altLang="en-US" dirty="0"/>
           </a:p>
@@ -4112,55 +5619,48 @@
           <a:lstStyle/>
           <a:p>
             <a:r>
-              <a:rPr kumimoji="1" lang="ja-JP" altLang="en-US" dirty="0" smtClean="0"/>
-              <a:t>開発言語</a:t>
-            </a:r>
-            <a:endParaRPr kumimoji="1" lang="en-US" altLang="ja-JP" dirty="0" smtClean="0"/>
+              <a:rPr lang="ja-JP" altLang="en-US" dirty="0"/>
+              <a:t> </a:t>
+            </a:r>
+            <a:r>
+              <a:rPr lang="en-US" altLang="ja-JP" u="sng" dirty="0" err="1" smtClean="0"/>
+              <a:t>Mockito</a:t>
+            </a:r>
+            <a:r>
+              <a:rPr lang="en-US" altLang="ja-JP" u="sng" dirty="0" smtClean="0"/>
+              <a:t> </a:t>
+            </a:r>
+            <a:r>
+              <a:rPr lang="ja-JP" altLang="en-US" u="sng" dirty="0"/>
+              <a:t>初めの一歩 </a:t>
+            </a:r>
+            <a:r>
+              <a:rPr lang="en-US" altLang="ja-JP" u="sng" dirty="0"/>
+              <a:t>-</a:t>
+            </a:r>
+            <a:r>
+              <a:rPr lang="ja-JP" altLang="en-US" u="sng" dirty="0"/>
+              <a:t> </a:t>
+            </a:r>
+            <a:r>
+              <a:rPr lang="en-US" altLang="ja-JP" u="sng" dirty="0" err="1"/>
+              <a:t>Qiita</a:t>
+            </a:r>
+            <a:r>
+              <a:rPr lang="en-US" altLang="ja-JP" u="sng" dirty="0"/>
+              <a:t> </a:t>
+            </a:r>
+            <a:endParaRPr lang="en-US" altLang="ja-JP" u="sng" dirty="0" smtClean="0"/>
           </a:p>
           <a:p>
             <a:pPr lvl="1"/>
             <a:r>
-              <a:rPr kumimoji="1" lang="en-US" altLang="ja-JP" dirty="0" smtClean="0"/>
-              <a:t>Java</a:t>
-            </a:r>
-          </a:p>
-          <a:p>
-            <a:r>
-              <a:rPr lang="en-US" altLang="ja-JP" dirty="0" smtClean="0"/>
-              <a:t>IDE</a:t>
-            </a:r>
-          </a:p>
-          <a:p>
-            <a:pPr lvl="1"/>
-            <a:r>
-              <a:rPr lang="en-US" altLang="ja-JP" dirty="0" smtClean="0"/>
-              <a:t>Eclipse</a:t>
-            </a:r>
-          </a:p>
-          <a:p>
-            <a:r>
-              <a:rPr lang="ja-JP" altLang="en-US" dirty="0" smtClean="0"/>
-              <a:t>ソース管理</a:t>
-            </a:r>
-            <a:endParaRPr lang="en-US" altLang="ja-JP" dirty="0" smtClean="0"/>
-          </a:p>
-          <a:p>
-            <a:pPr lvl="1"/>
-            <a:r>
-              <a:rPr kumimoji="1" lang="en-US" altLang="ja-JP" dirty="0" err="1" smtClean="0"/>
-              <a:t>Github</a:t>
-            </a:r>
-            <a:endParaRPr kumimoji="1" lang="en-US" altLang="ja-JP" dirty="0" smtClean="0"/>
-          </a:p>
-          <a:p>
-            <a:pPr lvl="1"/>
-            <a:r>
               <a:rPr lang="en-US" altLang="ja-JP" dirty="0"/>
-              <a:t>https://</a:t>
+              <a:t>http://</a:t>
             </a:r>
             <a:r>
               <a:rPr lang="en-US" altLang="ja-JP" dirty="0" err="1"/>
-              <a:t>github.com</a:t>
+              <a:t>qiita.com</a:t>
             </a:r>
             <a:r>
               <a:rPr lang="en-US" altLang="ja-JP" dirty="0"/>
@@ -4168,43 +5668,24 @@
             </a:r>
             <a:r>
               <a:rPr lang="en-US" altLang="ja-JP" dirty="0" err="1"/>
-              <a:t>unokun</a:t>
+              <a:t>mstssk</a:t>
             </a:r>
             <a:r>
               <a:rPr lang="en-US" altLang="ja-JP" dirty="0"/>
-              <a:t>/</a:t>
-            </a:r>
-            <a:r>
-              <a:rPr lang="en-US" altLang="ja-JP"/>
-              <a:t>SearchEngine</a:t>
-            </a:r>
-            <a:endParaRPr kumimoji="1" lang="en-US" altLang="ja-JP" dirty="0" smtClean="0"/>
-          </a:p>
-          <a:p>
-            <a:r>
-              <a:rPr kumimoji="1" lang="ja-JP" altLang="en-US" dirty="0" smtClean="0"/>
-              <a:t>テスト</a:t>
-            </a:r>
-            <a:endParaRPr kumimoji="1" lang="en-US" altLang="ja-JP" dirty="0" smtClean="0"/>
-          </a:p>
-          <a:p>
-            <a:pPr lvl="1"/>
-            <a:r>
-              <a:rPr lang="en-US" altLang="ja-JP" dirty="0" err="1" smtClean="0"/>
-              <a:t>JUnit</a:t>
-            </a:r>
-            <a:endParaRPr kumimoji="1" lang="en-US" altLang="ja-JP" dirty="0" smtClean="0"/>
-          </a:p>
-          <a:p>
-            <a:pPr lvl="1"/>
-            <a:endParaRPr kumimoji="1" lang="ja-JP" altLang="en-US" dirty="0"/>
+              <a:t>/items/</a:t>
+            </a:r>
+            <a:r>
+              <a:rPr lang="en-US" altLang="ja-JP" dirty="0" smtClean="0"/>
+              <a:t>98e597c13f12746c907d</a:t>
+            </a:r>
+            <a:endParaRPr lang="en-US" altLang="ja-JP" u="sng" dirty="0"/>
           </a:p>
         </p:txBody>
       </p:sp>
     </p:spTree>
     <p:extLst>
       <p:ext uri="{BB962C8B-B14F-4D97-AF65-F5344CB8AC3E}">
-        <p14:creationId xmlns:p14="http://schemas.microsoft.com/office/powerpoint/2010/main" val="3210439307"/>
+        <p14:creationId xmlns:p14="http://schemas.microsoft.com/office/powerpoint/2010/main" val="1865372630"/>
       </p:ext>
     </p:extLst>
   </p:cSld>
@@ -4246,18 +5727,25 @@
           <a:bodyPr/>
           <a:lstStyle/>
           <a:p>
-            <a:pPr algn="ctr"/>
+            <a:r>
+              <a:rPr kumimoji="1" lang="en-US" altLang="ja-JP" dirty="0" smtClean="0"/>
+              <a:t>Java</a:t>
+            </a:r>
             <a:r>
               <a:rPr kumimoji="1" lang="ja-JP" altLang="en-US" dirty="0" smtClean="0"/>
-              <a:t>例題</a:t>
+              <a:t> </a:t>
             </a:r>
             <a:r>
               <a:rPr kumimoji="1" lang="en-US" altLang="ja-JP" dirty="0" smtClean="0"/>
-              <a:t>)</a:t>
+              <a:t>Reflection</a:t>
             </a:r>
             <a:r>
               <a:rPr kumimoji="1" lang="ja-JP" altLang="en-US" dirty="0" smtClean="0"/>
-              <a:t>検索エンジン</a:t>
+              <a:t> </a:t>
+            </a:r>
+            <a:r>
+              <a:rPr kumimoji="1" lang="en-US" altLang="ja-JP" dirty="0" smtClean="0"/>
+              <a:t>API</a:t>
             </a:r>
             <a:endParaRPr kumimoji="1" lang="ja-JP" altLang="en-US" dirty="0"/>
           </a:p>
@@ -4278,45 +5766,6 @@
           <a:bodyPr/>
           <a:lstStyle/>
           <a:p>
-            <a:r>
-              <a:rPr kumimoji="1" lang="ja-JP" altLang="en-US" dirty="0" smtClean="0"/>
-              <a:t>機能</a:t>
-            </a:r>
-            <a:endParaRPr kumimoji="1" lang="en-US" altLang="ja-JP" dirty="0" smtClean="0"/>
-          </a:p>
-          <a:p>
-            <a:pPr lvl="1"/>
-            <a:r>
-              <a:rPr kumimoji="1" lang="en-US" altLang="ja-JP" dirty="0" smtClean="0"/>
-              <a:t>Indexer</a:t>
-            </a:r>
-          </a:p>
-          <a:p>
-            <a:pPr lvl="2"/>
-            <a:r>
-              <a:rPr kumimoji="1" lang="ja-JP" altLang="en-US" dirty="0" smtClean="0"/>
-              <a:t>文書ごとに含まれるタームをデータベースに格納する</a:t>
-            </a:r>
-            <a:endParaRPr kumimoji="1" lang="en-US" altLang="ja-JP" dirty="0" smtClean="0"/>
-          </a:p>
-          <a:p>
-            <a:pPr lvl="1"/>
-            <a:r>
-              <a:rPr lang="ja-JP" altLang="ja-JP" dirty="0" smtClean="0"/>
-              <a:t>S</a:t>
-            </a:r>
-            <a:r>
-              <a:rPr lang="en-US" altLang="ja-JP" dirty="0" err="1" smtClean="0"/>
-              <a:t>earcher</a:t>
-            </a:r>
-            <a:endParaRPr lang="en-US" altLang="ja-JP" dirty="0" smtClean="0"/>
-          </a:p>
-          <a:p>
-            <a:pPr lvl="2"/>
-            <a:r>
-              <a:rPr kumimoji="1" lang="ja-JP" altLang="en-US" dirty="0" smtClean="0"/>
-              <a:t>クエリと文書の類似度を計算し、類似度の高い順に文書を並び替える。</a:t>
-            </a:r>
             <a:endParaRPr kumimoji="1" lang="ja-JP" altLang="en-US" dirty="0"/>
           </a:p>
         </p:txBody>
@@ -4324,7 +5773,7 @@
     </p:spTree>
     <p:extLst>
       <p:ext uri="{BB962C8B-B14F-4D97-AF65-F5344CB8AC3E}">
-        <p14:creationId xmlns:p14="http://schemas.microsoft.com/office/powerpoint/2010/main" val="960480589"/>
+        <p14:creationId xmlns:p14="http://schemas.microsoft.com/office/powerpoint/2010/main" val="3011007689"/>
       </p:ext>
     </p:extLst>
   </p:cSld>
@@ -4361,12 +5810,7 @@
             <p:ph type="title"/>
           </p:nvPr>
         </p:nvSpPr>
-        <p:spPr>
-          <a:xfrm>
-            <a:off x="838200" y="365126"/>
-            <a:ext cx="10515600" cy="716700"/>
-          </a:xfrm>
-        </p:spPr>
+        <p:spPr/>
         <p:txBody>
           <a:bodyPr/>
           <a:lstStyle/>
@@ -4374,1353 +5818,127 @@
             <a:pPr algn="ctr"/>
             <a:r>
               <a:rPr kumimoji="1" lang="ja-JP" altLang="en-US" dirty="0" smtClean="0"/>
-              <a:t>クラス構成</a:t>
-            </a:r>
+              <a:t>開発環境</a:t>
+            </a:r>
+            <a:endParaRPr kumimoji="1" lang="ja-JP" altLang="en-US" dirty="0"/>
+          </a:p>
+        </p:txBody>
+      </p:sp>
+      <p:sp>
+        <p:nvSpPr>
+          <p:cNvPr id="3" name="コンテンツ プレースホルダー 2"/>
+          <p:cNvSpPr>
+            <a:spLocks noGrp="1"/>
+          </p:cNvSpPr>
+          <p:nvPr>
+            <p:ph idx="1"/>
+          </p:nvPr>
+        </p:nvSpPr>
+        <p:spPr/>
+        <p:txBody>
+          <a:bodyPr/>
+          <a:lstStyle/>
+          <a:p>
+            <a:r>
+              <a:rPr kumimoji="1" lang="ja-JP" altLang="en-US" dirty="0" smtClean="0"/>
+              <a:t>開発言語</a:t>
+            </a:r>
+            <a:endParaRPr kumimoji="1" lang="en-US" altLang="ja-JP" dirty="0" smtClean="0"/>
+          </a:p>
+          <a:p>
+            <a:pPr lvl="1"/>
             <a:r>
               <a:rPr kumimoji="1" lang="en-US" altLang="ja-JP" dirty="0" smtClean="0"/>
-              <a:t>(Indexer)</a:t>
-            </a:r>
+              <a:t>Java</a:t>
+            </a:r>
+          </a:p>
+          <a:p>
+            <a:r>
+              <a:rPr lang="en-US" altLang="ja-JP" dirty="0" smtClean="0"/>
+              <a:t>IDE</a:t>
+            </a:r>
+          </a:p>
+          <a:p>
+            <a:pPr lvl="1"/>
+            <a:r>
+              <a:rPr lang="en-US" altLang="ja-JP" dirty="0" smtClean="0"/>
+              <a:t>Eclipse</a:t>
+            </a:r>
+          </a:p>
+          <a:p>
+            <a:r>
+              <a:rPr lang="ja-JP" altLang="en-US" dirty="0" smtClean="0"/>
+              <a:t>ソース管理</a:t>
+            </a:r>
+            <a:endParaRPr lang="en-US" altLang="ja-JP" dirty="0" smtClean="0"/>
+          </a:p>
+          <a:p>
+            <a:pPr lvl="1"/>
+            <a:r>
+              <a:rPr kumimoji="1" lang="en-US" altLang="ja-JP" dirty="0" err="1" smtClean="0"/>
+              <a:t>Github</a:t>
+            </a:r>
+            <a:endParaRPr kumimoji="1" lang="en-US" altLang="ja-JP" dirty="0" smtClean="0"/>
+          </a:p>
+          <a:p>
+            <a:pPr lvl="1"/>
+            <a:r>
+              <a:rPr lang="en-US" altLang="ja-JP" dirty="0"/>
+              <a:t>https://</a:t>
+            </a:r>
+            <a:r>
+              <a:rPr lang="en-US" altLang="ja-JP" dirty="0" err="1"/>
+              <a:t>github.com</a:t>
+            </a:r>
+            <a:r>
+              <a:rPr lang="en-US" altLang="ja-JP" dirty="0"/>
+              <a:t>/</a:t>
+            </a:r>
+            <a:r>
+              <a:rPr lang="en-US" altLang="ja-JP" dirty="0" err="1"/>
+              <a:t>unokun</a:t>
+            </a:r>
+            <a:r>
+              <a:rPr lang="en-US" altLang="ja-JP" dirty="0"/>
+              <a:t>/</a:t>
+            </a:r>
+            <a:r>
+              <a:rPr lang="en-US" altLang="ja-JP"/>
+              <a:t>SearchEngine</a:t>
+            </a:r>
+            <a:endParaRPr kumimoji="1" lang="en-US" altLang="ja-JP" dirty="0" smtClean="0"/>
+          </a:p>
+          <a:p>
+            <a:r>
+              <a:rPr kumimoji="1" lang="ja-JP" altLang="en-US" dirty="0" smtClean="0"/>
+              <a:t>テスト</a:t>
+            </a:r>
+            <a:endParaRPr kumimoji="1" lang="en-US" altLang="ja-JP" dirty="0" smtClean="0"/>
+          </a:p>
+          <a:p>
+            <a:pPr lvl="1"/>
+            <a:r>
+              <a:rPr lang="en-US" altLang="ja-JP" dirty="0" err="1" smtClean="0"/>
+              <a:t>JUnit</a:t>
+            </a:r>
+            <a:endParaRPr kumimoji="1" lang="en-US" altLang="ja-JP" dirty="0" smtClean="0"/>
+          </a:p>
+          <a:p>
+            <a:pPr lvl="1"/>
             <a:endParaRPr kumimoji="1" lang="ja-JP" altLang="en-US" dirty="0"/>
-          </a:p>
-        </p:txBody>
-      </p:sp>
-      <p:sp>
-        <p:nvSpPr>
-          <p:cNvPr id="3" name="正方形/長方形 2"/>
-          <p:cNvSpPr/>
-          <p:nvPr/>
-        </p:nvSpPr>
-        <p:spPr>
-          <a:xfrm>
-            <a:off x="1568740" y="5298993"/>
-            <a:ext cx="2129160" cy="425003"/>
-          </a:xfrm>
-          <a:prstGeom prst="rect">
-            <a:avLst/>
-          </a:prstGeom>
-        </p:spPr>
-        <p:style>
-          <a:lnRef idx="2">
-            <a:schemeClr val="dk1"/>
-          </a:lnRef>
-          <a:fillRef idx="1">
-            <a:schemeClr val="lt1"/>
-          </a:fillRef>
-          <a:effectRef idx="0">
-            <a:schemeClr val="dk1"/>
-          </a:effectRef>
-          <a:fontRef idx="minor">
-            <a:schemeClr val="dk1"/>
-          </a:fontRef>
-        </p:style>
-        <p:txBody>
-          <a:bodyPr rtlCol="0" anchor="ctr"/>
-          <a:lstStyle/>
-          <a:p>
-            <a:pPr algn="ctr"/>
-            <a:r>
-              <a:rPr kumimoji="1" lang="en-US" altLang="ja-JP" dirty="0" err="1" smtClean="0"/>
-              <a:t>EventListener</a:t>
-            </a:r>
-            <a:endParaRPr kumimoji="1" lang="ja-JP" altLang="en-US" dirty="0"/>
-          </a:p>
-        </p:txBody>
-      </p:sp>
-      <p:sp>
-        <p:nvSpPr>
-          <p:cNvPr id="4" name="正方形/長方形 3"/>
-          <p:cNvSpPr/>
-          <p:nvPr/>
-        </p:nvSpPr>
-        <p:spPr>
-          <a:xfrm>
-            <a:off x="1607378" y="3456168"/>
-            <a:ext cx="2060620" cy="425003"/>
-          </a:xfrm>
-          <a:prstGeom prst="rect">
-            <a:avLst/>
-          </a:prstGeom>
-        </p:spPr>
-        <p:style>
-          <a:lnRef idx="2">
-            <a:schemeClr val="dk1"/>
-          </a:lnRef>
-          <a:fillRef idx="1">
-            <a:schemeClr val="lt1"/>
-          </a:fillRef>
-          <a:effectRef idx="0">
-            <a:schemeClr val="dk1"/>
-          </a:effectRef>
-          <a:fontRef idx="minor">
-            <a:schemeClr val="dk1"/>
-          </a:fontRef>
-        </p:style>
-        <p:txBody>
-          <a:bodyPr rtlCol="0" anchor="ctr"/>
-          <a:lstStyle/>
-          <a:p>
-            <a:pPr algn="ctr"/>
-            <a:r>
-              <a:rPr kumimoji="1" lang="en-US" altLang="ja-JP" dirty="0" smtClean="0"/>
-              <a:t>Scanner</a:t>
-            </a:r>
-            <a:endParaRPr kumimoji="1" lang="ja-JP" altLang="en-US" dirty="0"/>
-          </a:p>
-        </p:txBody>
-      </p:sp>
-      <p:sp>
-        <p:nvSpPr>
-          <p:cNvPr id="6" name="正方形/長方形 5"/>
-          <p:cNvSpPr/>
-          <p:nvPr/>
-        </p:nvSpPr>
-        <p:spPr>
-          <a:xfrm>
-            <a:off x="5795156" y="3823036"/>
-            <a:ext cx="2060620" cy="425003"/>
-          </a:xfrm>
-          <a:prstGeom prst="rect">
-            <a:avLst/>
-          </a:prstGeom>
-        </p:spPr>
-        <p:style>
-          <a:lnRef idx="2">
-            <a:schemeClr val="dk1"/>
-          </a:lnRef>
-          <a:fillRef idx="1">
-            <a:schemeClr val="lt1"/>
-          </a:fillRef>
-          <a:effectRef idx="0">
-            <a:schemeClr val="dk1"/>
-          </a:effectRef>
-          <a:fontRef idx="minor">
-            <a:schemeClr val="dk1"/>
-          </a:fontRef>
-        </p:style>
-        <p:txBody>
-          <a:bodyPr rtlCol="0" anchor="ctr"/>
-          <a:lstStyle/>
-          <a:p>
-            <a:pPr algn="ctr"/>
-            <a:r>
-              <a:rPr kumimoji="1" lang="en-US" altLang="ja-JP" dirty="0" err="1" smtClean="0"/>
-              <a:t>TextExtractor</a:t>
-            </a:r>
-            <a:endParaRPr kumimoji="1" lang="ja-JP" altLang="en-US" dirty="0"/>
-          </a:p>
-        </p:txBody>
-      </p:sp>
-      <p:sp>
-        <p:nvSpPr>
-          <p:cNvPr id="11" name="正方形/長方形 10"/>
-          <p:cNvSpPr/>
-          <p:nvPr/>
-        </p:nvSpPr>
-        <p:spPr>
-          <a:xfrm>
-            <a:off x="2030591" y="1853230"/>
-            <a:ext cx="602729" cy="369332"/>
-          </a:xfrm>
-          <a:prstGeom prst="rect">
-            <a:avLst/>
-          </a:prstGeom>
-        </p:spPr>
-        <p:txBody>
-          <a:bodyPr wrap="none">
-            <a:spAutoFit/>
-          </a:bodyPr>
-          <a:lstStyle/>
-          <a:p>
-            <a:r>
-              <a:rPr lang="en-US" altLang="ja-JP" dirty="0" smtClean="0"/>
-              <a:t>scan</a:t>
-            </a:r>
-            <a:endParaRPr lang="ja-JP" altLang="en-US" dirty="0"/>
-          </a:p>
-        </p:txBody>
-      </p:sp>
-      <p:sp>
-        <p:nvSpPr>
-          <p:cNvPr id="15" name="角丸四角形 14"/>
-          <p:cNvSpPr/>
-          <p:nvPr/>
-        </p:nvSpPr>
-        <p:spPr>
-          <a:xfrm>
-            <a:off x="1583933" y="1195448"/>
-            <a:ext cx="2060620" cy="425003"/>
-          </a:xfrm>
-          <a:prstGeom prst="roundRect">
-            <a:avLst/>
-          </a:prstGeom>
-        </p:spPr>
-        <p:style>
-          <a:lnRef idx="2">
-            <a:schemeClr val="dk1"/>
-          </a:lnRef>
-          <a:fillRef idx="1">
-            <a:schemeClr val="lt1"/>
-          </a:fillRef>
-          <a:effectRef idx="0">
-            <a:schemeClr val="dk1"/>
-          </a:effectRef>
-          <a:fontRef idx="minor">
-            <a:schemeClr val="dk1"/>
-          </a:fontRef>
-        </p:style>
-        <p:txBody>
-          <a:bodyPr rtlCol="0" anchor="ctr"/>
-          <a:lstStyle/>
-          <a:p>
-            <a:pPr algn="ctr"/>
-            <a:r>
-              <a:rPr lang="en-US" altLang="ja-JP" dirty="0" smtClean="0"/>
-              <a:t>Indexer</a:t>
-            </a:r>
-            <a:endParaRPr kumimoji="1" lang="ja-JP" altLang="en-US" dirty="0"/>
-          </a:p>
-        </p:txBody>
-      </p:sp>
-      <p:sp>
-        <p:nvSpPr>
-          <p:cNvPr id="19" name="角丸四角形 18"/>
-          <p:cNvSpPr/>
-          <p:nvPr/>
-        </p:nvSpPr>
-        <p:spPr>
-          <a:xfrm>
-            <a:off x="1354094" y="2722068"/>
-            <a:ext cx="2528551" cy="1326525"/>
-          </a:xfrm>
-          <a:prstGeom prst="roundRect">
-            <a:avLst/>
-          </a:prstGeom>
-          <a:noFill/>
-        </p:spPr>
-        <p:style>
-          <a:lnRef idx="2">
-            <a:schemeClr val="dk1"/>
-          </a:lnRef>
-          <a:fillRef idx="1">
-            <a:schemeClr val="lt1"/>
-          </a:fillRef>
-          <a:effectRef idx="0">
-            <a:schemeClr val="dk1"/>
-          </a:effectRef>
-          <a:fontRef idx="minor">
-            <a:schemeClr val="dk1"/>
-          </a:fontRef>
-        </p:style>
-        <p:txBody>
-          <a:bodyPr rtlCol="0" anchor="t"/>
-          <a:lstStyle/>
-          <a:p>
-            <a:pPr algn="ctr"/>
-            <a:r>
-              <a:rPr lang="en-US" altLang="ja-JP" dirty="0" err="1" smtClean="0"/>
-              <a:t>LFSScanner</a:t>
-            </a:r>
-            <a:endParaRPr kumimoji="1" lang="ja-JP" altLang="en-US" dirty="0"/>
-          </a:p>
-        </p:txBody>
-      </p:sp>
-      <p:sp>
-        <p:nvSpPr>
-          <p:cNvPr id="20" name="角丸四角形 19"/>
-          <p:cNvSpPr/>
-          <p:nvPr/>
-        </p:nvSpPr>
-        <p:spPr>
-          <a:xfrm>
-            <a:off x="1354093" y="4564893"/>
-            <a:ext cx="2528551" cy="1326525"/>
-          </a:xfrm>
-          <a:prstGeom prst="roundRect">
-            <a:avLst/>
-          </a:prstGeom>
-          <a:noFill/>
-        </p:spPr>
-        <p:style>
-          <a:lnRef idx="2">
-            <a:schemeClr val="dk1"/>
-          </a:lnRef>
-          <a:fillRef idx="1">
-            <a:schemeClr val="lt1"/>
-          </a:fillRef>
-          <a:effectRef idx="0">
-            <a:schemeClr val="dk1"/>
-          </a:effectRef>
-          <a:fontRef idx="minor">
-            <a:schemeClr val="dk1"/>
-          </a:fontRef>
-        </p:style>
-        <p:txBody>
-          <a:bodyPr rtlCol="0" anchor="t"/>
-          <a:lstStyle/>
-          <a:p>
-            <a:pPr algn="ctr"/>
-            <a:r>
-              <a:rPr lang="en-US" altLang="ja-JP" dirty="0" err="1"/>
-              <a:t>DocumentQueue</a:t>
-            </a:r>
-            <a:endParaRPr kumimoji="1" lang="ja-JP" altLang="en-US" dirty="0"/>
-          </a:p>
-        </p:txBody>
-      </p:sp>
-      <p:cxnSp>
-        <p:nvCxnSpPr>
-          <p:cNvPr id="29" name="カギ線コネクタ 28"/>
-          <p:cNvCxnSpPr>
-            <a:stCxn id="82" idx="1"/>
-            <a:endCxn id="20" idx="3"/>
-          </p:cNvCxnSpPr>
-          <p:nvPr/>
-        </p:nvCxnSpPr>
-        <p:spPr>
-          <a:xfrm rot="10800000" flipV="1">
-            <a:off x="3882645" y="2203478"/>
-            <a:ext cx="1620591" cy="3024677"/>
-          </a:xfrm>
-          <a:prstGeom prst="bentConnector3">
-            <a:avLst>
-              <a:gd name="adj1" fmla="val 50000"/>
-            </a:avLst>
-          </a:prstGeom>
-          <a:ln>
-            <a:tailEnd type="triangle"/>
-          </a:ln>
-        </p:spPr>
-        <p:style>
-          <a:lnRef idx="1">
-            <a:schemeClr val="dk1"/>
-          </a:lnRef>
-          <a:fillRef idx="0">
-            <a:schemeClr val="dk1"/>
-          </a:fillRef>
-          <a:effectRef idx="0">
-            <a:schemeClr val="dk1"/>
-          </a:effectRef>
-          <a:fontRef idx="minor">
-            <a:schemeClr val="tx1"/>
-          </a:fontRef>
-        </p:style>
-      </p:cxnSp>
-      <p:sp>
-        <p:nvSpPr>
-          <p:cNvPr id="30" name="正方形/長方形 29"/>
-          <p:cNvSpPr/>
-          <p:nvPr/>
-        </p:nvSpPr>
-        <p:spPr>
-          <a:xfrm>
-            <a:off x="266243" y="4263747"/>
-            <a:ext cx="737638" cy="369332"/>
-          </a:xfrm>
-          <a:prstGeom prst="rect">
-            <a:avLst/>
-          </a:prstGeom>
-        </p:spPr>
-        <p:txBody>
-          <a:bodyPr wrap="none">
-            <a:spAutoFit/>
-          </a:bodyPr>
-          <a:lstStyle/>
-          <a:p>
-            <a:r>
-              <a:rPr lang="en-US" altLang="ja-JP" dirty="0" smtClean="0"/>
-              <a:t>found</a:t>
-            </a:r>
-            <a:endParaRPr lang="ja-JP" altLang="en-US" dirty="0"/>
-          </a:p>
-        </p:txBody>
-      </p:sp>
-      <p:cxnSp>
-        <p:nvCxnSpPr>
-          <p:cNvPr id="31" name="直線矢印コネクタ 30"/>
-          <p:cNvCxnSpPr>
-            <a:stCxn id="38" idx="2"/>
-            <a:endCxn id="36" idx="0"/>
-          </p:cNvCxnSpPr>
-          <p:nvPr/>
-        </p:nvCxnSpPr>
-        <p:spPr>
-          <a:xfrm>
-            <a:off x="6786829" y="4494549"/>
-            <a:ext cx="0" cy="555244"/>
-          </a:xfrm>
-          <a:prstGeom prst="straightConnector1">
-            <a:avLst/>
-          </a:prstGeom>
-          <a:ln>
-            <a:tailEnd type="triangle"/>
-          </a:ln>
-        </p:spPr>
-        <p:style>
-          <a:lnRef idx="1">
-            <a:schemeClr val="dk1"/>
-          </a:lnRef>
-          <a:fillRef idx="0">
-            <a:schemeClr val="dk1"/>
-          </a:fillRef>
-          <a:effectRef idx="0">
-            <a:schemeClr val="dk1"/>
-          </a:effectRef>
-          <a:fontRef idx="minor">
-            <a:schemeClr val="tx1"/>
-          </a:fontRef>
-        </p:style>
-      </p:cxnSp>
-      <p:sp>
-        <p:nvSpPr>
-          <p:cNvPr id="35" name="角丸四角形 34"/>
-          <p:cNvSpPr/>
-          <p:nvPr/>
-        </p:nvSpPr>
-        <p:spPr>
-          <a:xfrm>
-            <a:off x="5765105" y="5952348"/>
-            <a:ext cx="2043448" cy="378312"/>
-          </a:xfrm>
-          <a:prstGeom prst="roundRect">
-            <a:avLst/>
-          </a:prstGeom>
-          <a:noFill/>
-        </p:spPr>
-        <p:style>
-          <a:lnRef idx="2">
-            <a:schemeClr val="dk1"/>
-          </a:lnRef>
-          <a:fillRef idx="1">
-            <a:schemeClr val="lt1"/>
-          </a:fillRef>
-          <a:effectRef idx="0">
-            <a:schemeClr val="dk1"/>
-          </a:effectRef>
-          <a:fontRef idx="minor">
-            <a:schemeClr val="dk1"/>
-          </a:fontRef>
-        </p:style>
-        <p:txBody>
-          <a:bodyPr rtlCol="0" anchor="ctr"/>
-          <a:lstStyle/>
-          <a:p>
-            <a:pPr algn="ctr"/>
-            <a:r>
-              <a:rPr lang="en-US" altLang="ja-JP" dirty="0" smtClean="0"/>
-              <a:t>SQLite</a:t>
-            </a:r>
-            <a:endParaRPr kumimoji="1" lang="ja-JP" altLang="en-US" dirty="0"/>
-          </a:p>
-        </p:txBody>
-      </p:sp>
-      <p:sp>
-        <p:nvSpPr>
-          <p:cNvPr id="36" name="角丸四角形 35"/>
-          <p:cNvSpPr/>
-          <p:nvPr/>
-        </p:nvSpPr>
-        <p:spPr>
-          <a:xfrm>
-            <a:off x="5765105" y="5049793"/>
-            <a:ext cx="2043448" cy="378312"/>
-          </a:xfrm>
-          <a:prstGeom prst="roundRect">
-            <a:avLst/>
-          </a:prstGeom>
-          <a:noFill/>
-        </p:spPr>
-        <p:style>
-          <a:lnRef idx="2">
-            <a:schemeClr val="dk1"/>
-          </a:lnRef>
-          <a:fillRef idx="1">
-            <a:schemeClr val="lt1"/>
-          </a:fillRef>
-          <a:effectRef idx="0">
-            <a:schemeClr val="dk1"/>
-          </a:effectRef>
-          <a:fontRef idx="minor">
-            <a:schemeClr val="dk1"/>
-          </a:fontRef>
-        </p:style>
-        <p:txBody>
-          <a:bodyPr rtlCol="0" anchor="ctr"/>
-          <a:lstStyle/>
-          <a:p>
-            <a:pPr algn="ctr"/>
-            <a:r>
-              <a:rPr lang="en-US" altLang="ja-JP" dirty="0" err="1"/>
-              <a:t>JapaneseTokenizer</a:t>
-            </a:r>
-            <a:endParaRPr kumimoji="1" lang="ja-JP" altLang="en-US" dirty="0"/>
-          </a:p>
-        </p:txBody>
-      </p:sp>
-      <p:sp>
-        <p:nvSpPr>
-          <p:cNvPr id="38" name="角丸四角形 37"/>
-          <p:cNvSpPr/>
-          <p:nvPr/>
-        </p:nvSpPr>
-        <p:spPr>
-          <a:xfrm>
-            <a:off x="5503235" y="3267792"/>
-            <a:ext cx="2567188" cy="1226757"/>
-          </a:xfrm>
-          <a:prstGeom prst="roundRect">
-            <a:avLst/>
-          </a:prstGeom>
-          <a:noFill/>
-        </p:spPr>
-        <p:style>
-          <a:lnRef idx="2">
-            <a:schemeClr val="dk1"/>
-          </a:lnRef>
-          <a:fillRef idx="1">
-            <a:schemeClr val="lt1"/>
-          </a:fillRef>
-          <a:effectRef idx="0">
-            <a:schemeClr val="dk1"/>
-          </a:effectRef>
-          <a:fontRef idx="minor">
-            <a:schemeClr val="dk1"/>
-          </a:fontRef>
-        </p:style>
-        <p:txBody>
-          <a:bodyPr rtlCol="0" anchor="t"/>
-          <a:lstStyle/>
-          <a:p>
-            <a:pPr algn="ctr"/>
-            <a:r>
-              <a:rPr lang="en-US" altLang="ja-JP" dirty="0" err="1" smtClean="0"/>
-              <a:t>PlainTextExtractor</a:t>
-            </a:r>
-            <a:endParaRPr kumimoji="1" lang="ja-JP" altLang="en-US" dirty="0"/>
-          </a:p>
-        </p:txBody>
-      </p:sp>
-      <p:cxnSp>
-        <p:nvCxnSpPr>
-          <p:cNvPr id="46" name="直線矢印コネクタ 45"/>
-          <p:cNvCxnSpPr>
-            <a:stCxn id="36" idx="2"/>
-            <a:endCxn id="35" idx="0"/>
-          </p:cNvCxnSpPr>
-          <p:nvPr/>
-        </p:nvCxnSpPr>
-        <p:spPr>
-          <a:xfrm>
-            <a:off x="6786829" y="5428105"/>
-            <a:ext cx="0" cy="524243"/>
-          </a:xfrm>
-          <a:prstGeom prst="straightConnector1">
-            <a:avLst/>
-          </a:prstGeom>
-          <a:ln>
-            <a:tailEnd type="triangle"/>
-          </a:ln>
-        </p:spPr>
-        <p:style>
-          <a:lnRef idx="1">
-            <a:schemeClr val="dk1"/>
-          </a:lnRef>
-          <a:fillRef idx="0">
-            <a:schemeClr val="dk1"/>
-          </a:fillRef>
-          <a:effectRef idx="0">
-            <a:schemeClr val="dk1"/>
-          </a:effectRef>
-          <a:fontRef idx="minor">
-            <a:schemeClr val="tx1"/>
-          </a:fontRef>
-        </p:style>
-      </p:cxnSp>
-      <p:sp>
-        <p:nvSpPr>
-          <p:cNvPr id="52" name="正方形/長方形 51"/>
-          <p:cNvSpPr/>
-          <p:nvPr/>
-        </p:nvSpPr>
-        <p:spPr>
-          <a:xfrm>
-            <a:off x="8768366" y="966275"/>
-            <a:ext cx="1032456" cy="254767"/>
-          </a:xfrm>
-          <a:prstGeom prst="rect">
-            <a:avLst/>
-          </a:prstGeom>
-        </p:spPr>
-        <p:style>
-          <a:lnRef idx="2">
-            <a:schemeClr val="dk1"/>
-          </a:lnRef>
-          <a:fillRef idx="1">
-            <a:schemeClr val="lt1"/>
-          </a:fillRef>
-          <a:effectRef idx="0">
-            <a:schemeClr val="dk1"/>
-          </a:effectRef>
-          <a:fontRef idx="minor">
-            <a:schemeClr val="dk1"/>
-          </a:fontRef>
-        </p:style>
-        <p:txBody>
-          <a:bodyPr rtlCol="0" anchor="ctr"/>
-          <a:lstStyle/>
-          <a:p>
-            <a:pPr algn="ctr"/>
-            <a:endParaRPr kumimoji="1" lang="ja-JP" altLang="en-US" dirty="0"/>
-          </a:p>
-        </p:txBody>
-      </p:sp>
-      <p:sp>
-        <p:nvSpPr>
-          <p:cNvPr id="53" name="正方形/長方形 52"/>
-          <p:cNvSpPr/>
-          <p:nvPr/>
-        </p:nvSpPr>
-        <p:spPr>
-          <a:xfrm>
-            <a:off x="9963617" y="936155"/>
-            <a:ext cx="1017138" cy="369332"/>
-          </a:xfrm>
-          <a:prstGeom prst="rect">
-            <a:avLst/>
-          </a:prstGeom>
-        </p:spPr>
-        <p:txBody>
-          <a:bodyPr wrap="none">
-            <a:spAutoFit/>
-          </a:bodyPr>
-          <a:lstStyle/>
-          <a:p>
-            <a:r>
-              <a:rPr lang="en-US" altLang="ja-JP" dirty="0" smtClean="0"/>
-              <a:t>interface</a:t>
-            </a:r>
-            <a:endParaRPr lang="ja-JP" altLang="en-US" dirty="0"/>
-          </a:p>
-        </p:txBody>
-      </p:sp>
-      <p:sp>
-        <p:nvSpPr>
-          <p:cNvPr id="54" name="角丸四角形 53"/>
-          <p:cNvSpPr/>
-          <p:nvPr/>
-        </p:nvSpPr>
-        <p:spPr>
-          <a:xfrm>
-            <a:off x="8770512" y="1473991"/>
-            <a:ext cx="1030310" cy="275185"/>
-          </a:xfrm>
-          <a:prstGeom prst="roundRect">
-            <a:avLst/>
-          </a:prstGeom>
-        </p:spPr>
-        <p:style>
-          <a:lnRef idx="2">
-            <a:schemeClr val="dk1"/>
-          </a:lnRef>
-          <a:fillRef idx="1">
-            <a:schemeClr val="lt1"/>
-          </a:fillRef>
-          <a:effectRef idx="0">
-            <a:schemeClr val="dk1"/>
-          </a:effectRef>
-          <a:fontRef idx="minor">
-            <a:schemeClr val="dk1"/>
-          </a:fontRef>
-        </p:style>
-        <p:txBody>
-          <a:bodyPr rtlCol="0" anchor="ctr"/>
-          <a:lstStyle/>
-          <a:p>
-            <a:pPr algn="ctr"/>
-            <a:endParaRPr kumimoji="1" lang="ja-JP" altLang="en-US" dirty="0"/>
-          </a:p>
-        </p:txBody>
-      </p:sp>
-      <p:sp>
-        <p:nvSpPr>
-          <p:cNvPr id="55" name="正方形/長方形 54"/>
-          <p:cNvSpPr/>
-          <p:nvPr/>
-        </p:nvSpPr>
-        <p:spPr>
-          <a:xfrm>
-            <a:off x="9963617" y="1407950"/>
-            <a:ext cx="625492" cy="369332"/>
-          </a:xfrm>
-          <a:prstGeom prst="rect">
-            <a:avLst/>
-          </a:prstGeom>
-        </p:spPr>
-        <p:txBody>
-          <a:bodyPr wrap="none">
-            <a:spAutoFit/>
-          </a:bodyPr>
-          <a:lstStyle/>
-          <a:p>
-            <a:r>
-              <a:rPr lang="en-US" altLang="ja-JP" dirty="0" smtClean="0"/>
-              <a:t>class</a:t>
-            </a:r>
-            <a:endParaRPr lang="ja-JP" altLang="en-US" dirty="0"/>
-          </a:p>
-        </p:txBody>
-      </p:sp>
-      <p:cxnSp>
-        <p:nvCxnSpPr>
-          <p:cNvPr id="66" name="カギ線コネクタ 65"/>
-          <p:cNvCxnSpPr>
-            <a:stCxn id="19" idx="1"/>
-            <a:endCxn id="3" idx="1"/>
-          </p:cNvCxnSpPr>
-          <p:nvPr/>
-        </p:nvCxnSpPr>
-        <p:spPr>
-          <a:xfrm rot="10800000" flipH="1" flipV="1">
-            <a:off x="1354094" y="3385331"/>
-            <a:ext cx="214646" cy="2126164"/>
-          </a:xfrm>
-          <a:prstGeom prst="bentConnector3">
-            <a:avLst>
-              <a:gd name="adj1" fmla="val -106501"/>
-            </a:avLst>
-          </a:prstGeom>
-          <a:ln>
-            <a:tailEnd type="triangle"/>
-          </a:ln>
-        </p:spPr>
-        <p:style>
-          <a:lnRef idx="1">
-            <a:schemeClr val="dk1"/>
-          </a:lnRef>
-          <a:fillRef idx="0">
-            <a:schemeClr val="dk1"/>
-          </a:fillRef>
-          <a:effectRef idx="0">
-            <a:schemeClr val="dk1"/>
-          </a:effectRef>
-          <a:fontRef idx="minor">
-            <a:schemeClr val="tx1"/>
-          </a:fontRef>
-        </p:style>
-      </p:cxnSp>
-      <p:cxnSp>
-        <p:nvCxnSpPr>
-          <p:cNvPr id="70" name="直線矢印コネクタ 69"/>
-          <p:cNvCxnSpPr>
-            <a:stCxn id="15" idx="2"/>
-            <a:endCxn id="19" idx="0"/>
-          </p:cNvCxnSpPr>
-          <p:nvPr/>
-        </p:nvCxnSpPr>
-        <p:spPr>
-          <a:xfrm>
-            <a:off x="2614243" y="1620451"/>
-            <a:ext cx="4127" cy="1101617"/>
-          </a:xfrm>
-          <a:prstGeom prst="straightConnector1">
-            <a:avLst/>
-          </a:prstGeom>
-          <a:ln>
-            <a:tailEnd type="triangle"/>
-          </a:ln>
-        </p:spPr>
-        <p:style>
-          <a:lnRef idx="1">
-            <a:schemeClr val="dk1"/>
-          </a:lnRef>
-          <a:fillRef idx="0">
-            <a:schemeClr val="dk1"/>
-          </a:fillRef>
-          <a:effectRef idx="0">
-            <a:schemeClr val="dk1"/>
-          </a:effectRef>
-          <a:fontRef idx="minor">
-            <a:schemeClr val="tx1"/>
-          </a:fontRef>
-        </p:style>
-      </p:cxnSp>
-      <p:sp>
-        <p:nvSpPr>
-          <p:cNvPr id="82" name="角丸四角形 81"/>
-          <p:cNvSpPr/>
-          <p:nvPr/>
-        </p:nvSpPr>
-        <p:spPr>
-          <a:xfrm>
-            <a:off x="5503235" y="1870962"/>
-            <a:ext cx="2567188" cy="665034"/>
-          </a:xfrm>
-          <a:prstGeom prst="roundRect">
-            <a:avLst/>
-          </a:prstGeom>
-          <a:noFill/>
-        </p:spPr>
-        <p:style>
-          <a:lnRef idx="2">
-            <a:schemeClr val="dk1"/>
-          </a:lnRef>
-          <a:fillRef idx="1">
-            <a:schemeClr val="lt1"/>
-          </a:fillRef>
-          <a:effectRef idx="0">
-            <a:schemeClr val="dk1"/>
-          </a:effectRef>
-          <a:fontRef idx="minor">
-            <a:schemeClr val="dk1"/>
-          </a:fontRef>
-        </p:style>
-        <p:txBody>
-          <a:bodyPr rtlCol="0" anchor="ctr"/>
-          <a:lstStyle/>
-          <a:p>
-            <a:pPr algn="ctr"/>
-            <a:r>
-              <a:rPr lang="en-US" altLang="ja-JP" dirty="0" err="1" smtClean="0"/>
-              <a:t>DocIndexer</a:t>
-            </a:r>
-            <a:endParaRPr kumimoji="1" lang="ja-JP" altLang="en-US" dirty="0"/>
-          </a:p>
-        </p:txBody>
-      </p:sp>
-      <p:sp>
-        <p:nvSpPr>
-          <p:cNvPr id="88" name="角丸四角形 87"/>
-          <p:cNvSpPr/>
-          <p:nvPr/>
-        </p:nvSpPr>
-        <p:spPr>
-          <a:xfrm>
-            <a:off x="9058382" y="3479469"/>
-            <a:ext cx="2567188" cy="536038"/>
-          </a:xfrm>
-          <a:prstGeom prst="roundRect">
-            <a:avLst/>
-          </a:prstGeom>
-          <a:noFill/>
-        </p:spPr>
-        <p:style>
-          <a:lnRef idx="2">
-            <a:schemeClr val="dk1"/>
-          </a:lnRef>
-          <a:fillRef idx="1">
-            <a:schemeClr val="lt1"/>
-          </a:fillRef>
-          <a:effectRef idx="0">
-            <a:schemeClr val="dk1"/>
-          </a:effectRef>
-          <a:fontRef idx="minor">
-            <a:schemeClr val="dk1"/>
-          </a:fontRef>
-        </p:style>
-        <p:txBody>
-          <a:bodyPr rtlCol="0" anchor="ctr"/>
-          <a:lstStyle/>
-          <a:p>
-            <a:pPr algn="ctr"/>
-            <a:r>
-              <a:rPr lang="en-US" altLang="ja-JP" dirty="0" err="1" smtClean="0"/>
-              <a:t>TextExtractorFactory</a:t>
-            </a:r>
-            <a:endParaRPr kumimoji="1" lang="ja-JP" altLang="en-US" dirty="0"/>
-          </a:p>
-        </p:txBody>
-      </p:sp>
-      <p:sp>
-        <p:nvSpPr>
-          <p:cNvPr id="92" name="正方形/長方形 91"/>
-          <p:cNvSpPr/>
-          <p:nvPr/>
-        </p:nvSpPr>
-        <p:spPr>
-          <a:xfrm>
-            <a:off x="4232856" y="5376005"/>
-            <a:ext cx="534121" cy="369332"/>
-          </a:xfrm>
-          <a:prstGeom prst="rect">
-            <a:avLst/>
-          </a:prstGeom>
-        </p:spPr>
-        <p:txBody>
-          <a:bodyPr wrap="none">
-            <a:spAutoFit/>
-          </a:bodyPr>
-          <a:lstStyle/>
-          <a:p>
-            <a:r>
-              <a:rPr lang="en-US" altLang="ja-JP" dirty="0" smtClean="0"/>
-              <a:t>poll</a:t>
-            </a:r>
-            <a:endParaRPr lang="ja-JP" altLang="en-US" dirty="0"/>
-          </a:p>
-        </p:txBody>
-      </p:sp>
-      <p:cxnSp>
-        <p:nvCxnSpPr>
-          <p:cNvPr id="93" name="直線矢印コネクタ 92"/>
-          <p:cNvCxnSpPr>
-            <a:stCxn id="82" idx="2"/>
-            <a:endCxn id="38" idx="0"/>
-          </p:cNvCxnSpPr>
-          <p:nvPr/>
-        </p:nvCxnSpPr>
-        <p:spPr>
-          <a:xfrm>
-            <a:off x="6786829" y="2535996"/>
-            <a:ext cx="0" cy="731796"/>
-          </a:xfrm>
-          <a:prstGeom prst="straightConnector1">
-            <a:avLst/>
-          </a:prstGeom>
-          <a:ln>
-            <a:tailEnd type="triangle"/>
-          </a:ln>
-        </p:spPr>
-        <p:style>
-          <a:lnRef idx="1">
-            <a:schemeClr val="dk1"/>
-          </a:lnRef>
-          <a:fillRef idx="0">
-            <a:schemeClr val="dk1"/>
-          </a:fillRef>
-          <a:effectRef idx="0">
-            <a:schemeClr val="dk1"/>
-          </a:effectRef>
-          <a:fontRef idx="minor">
-            <a:schemeClr val="tx1"/>
-          </a:fontRef>
-        </p:style>
-      </p:cxnSp>
-      <p:sp>
-        <p:nvSpPr>
-          <p:cNvPr id="96" name="正方形/長方形 95"/>
-          <p:cNvSpPr/>
-          <p:nvPr/>
-        </p:nvSpPr>
-        <p:spPr>
-          <a:xfrm>
-            <a:off x="5458258" y="2763490"/>
-            <a:ext cx="834396" cy="369332"/>
-          </a:xfrm>
-          <a:prstGeom prst="rect">
-            <a:avLst/>
-          </a:prstGeom>
-        </p:spPr>
-        <p:txBody>
-          <a:bodyPr wrap="none">
-            <a:spAutoFit/>
-          </a:bodyPr>
-          <a:lstStyle/>
-          <a:p>
-            <a:r>
-              <a:rPr lang="en-US" altLang="ja-JP" dirty="0" smtClean="0"/>
-              <a:t>extract</a:t>
-            </a:r>
-            <a:endParaRPr lang="ja-JP" altLang="en-US" dirty="0"/>
-          </a:p>
-        </p:txBody>
-      </p:sp>
-      <p:sp>
-        <p:nvSpPr>
-          <p:cNvPr id="97" name="正方形/長方形 96"/>
-          <p:cNvSpPr/>
-          <p:nvPr/>
-        </p:nvSpPr>
-        <p:spPr>
-          <a:xfrm>
-            <a:off x="7480521" y="4618617"/>
-            <a:ext cx="698461" cy="369332"/>
-          </a:xfrm>
-          <a:prstGeom prst="rect">
-            <a:avLst/>
-          </a:prstGeom>
-        </p:spPr>
-        <p:txBody>
-          <a:bodyPr wrap="none">
-            <a:spAutoFit/>
-          </a:bodyPr>
-          <a:lstStyle/>
-          <a:p>
-            <a:r>
-              <a:rPr lang="en-US" altLang="ja-JP" dirty="0" smtClean="0"/>
-              <a:t>parse</a:t>
-            </a:r>
-            <a:endParaRPr lang="ja-JP" altLang="en-US" dirty="0"/>
-          </a:p>
-        </p:txBody>
-      </p:sp>
-      <p:sp>
-        <p:nvSpPr>
-          <p:cNvPr id="101" name="正方形/長方形 100"/>
-          <p:cNvSpPr/>
-          <p:nvPr/>
-        </p:nvSpPr>
-        <p:spPr>
-          <a:xfrm>
-            <a:off x="7480521" y="5616643"/>
-            <a:ext cx="660950" cy="369332"/>
-          </a:xfrm>
-          <a:prstGeom prst="rect">
-            <a:avLst/>
-          </a:prstGeom>
-        </p:spPr>
-        <p:txBody>
-          <a:bodyPr wrap="none">
-            <a:spAutoFit/>
-          </a:bodyPr>
-          <a:lstStyle/>
-          <a:p>
-            <a:r>
-              <a:rPr lang="en-US" altLang="ja-JP" dirty="0" smtClean="0"/>
-              <a:t>store</a:t>
-            </a:r>
-            <a:endParaRPr lang="ja-JP" altLang="en-US" dirty="0"/>
-          </a:p>
-        </p:txBody>
-      </p:sp>
-      <p:sp>
-        <p:nvSpPr>
-          <p:cNvPr id="102" name="角丸四角形 101"/>
-          <p:cNvSpPr/>
-          <p:nvPr/>
-        </p:nvSpPr>
-        <p:spPr>
-          <a:xfrm>
-            <a:off x="5007399" y="1558296"/>
-            <a:ext cx="3600318" cy="5048566"/>
-          </a:xfrm>
-          <a:prstGeom prst="roundRect">
-            <a:avLst/>
-          </a:prstGeom>
-          <a:noFill/>
-          <a:ln>
-            <a:prstDash val="dash"/>
-          </a:ln>
-        </p:spPr>
-        <p:style>
-          <a:lnRef idx="2">
-            <a:schemeClr val="dk1"/>
-          </a:lnRef>
-          <a:fillRef idx="1">
-            <a:schemeClr val="lt1"/>
-          </a:fillRef>
-          <a:effectRef idx="0">
-            <a:schemeClr val="dk1"/>
-          </a:effectRef>
-          <a:fontRef idx="minor">
-            <a:schemeClr val="dk1"/>
-          </a:fontRef>
-        </p:style>
-        <p:txBody>
-          <a:bodyPr rtlCol="0" anchor="ctr"/>
-          <a:lstStyle/>
-          <a:p>
-            <a:pPr algn="ctr"/>
-            <a:endParaRPr kumimoji="1" lang="ja-JP" altLang="en-US" dirty="0"/>
-          </a:p>
-        </p:txBody>
-      </p:sp>
-      <p:sp>
-        <p:nvSpPr>
-          <p:cNvPr id="103" name="角丸四角形 102"/>
-          <p:cNvSpPr/>
-          <p:nvPr/>
-        </p:nvSpPr>
-        <p:spPr>
-          <a:xfrm>
-            <a:off x="8770512" y="2011454"/>
-            <a:ext cx="1030310" cy="275185"/>
-          </a:xfrm>
-          <a:prstGeom prst="roundRect">
-            <a:avLst/>
-          </a:prstGeom>
-          <a:ln>
-            <a:prstDash val="dash"/>
-          </a:ln>
-        </p:spPr>
-        <p:style>
-          <a:lnRef idx="2">
-            <a:schemeClr val="dk1"/>
-          </a:lnRef>
-          <a:fillRef idx="1">
-            <a:schemeClr val="lt1"/>
-          </a:fillRef>
-          <a:effectRef idx="0">
-            <a:schemeClr val="dk1"/>
-          </a:effectRef>
-          <a:fontRef idx="minor">
-            <a:schemeClr val="dk1"/>
-          </a:fontRef>
-        </p:style>
-        <p:txBody>
-          <a:bodyPr rtlCol="0" anchor="ctr"/>
-          <a:lstStyle/>
-          <a:p>
-            <a:pPr algn="ctr"/>
-            <a:endParaRPr kumimoji="1" lang="ja-JP" altLang="en-US" dirty="0"/>
-          </a:p>
-        </p:txBody>
-      </p:sp>
-      <p:sp>
-        <p:nvSpPr>
-          <p:cNvPr id="104" name="正方形/長方形 103"/>
-          <p:cNvSpPr/>
-          <p:nvPr/>
-        </p:nvSpPr>
-        <p:spPr>
-          <a:xfrm>
-            <a:off x="8630973" y="2761840"/>
-            <a:ext cx="3441968" cy="646331"/>
-          </a:xfrm>
-          <a:prstGeom prst="rect">
-            <a:avLst/>
-          </a:prstGeom>
-        </p:spPr>
-        <p:txBody>
-          <a:bodyPr wrap="none">
-            <a:spAutoFit/>
-          </a:bodyPr>
-          <a:lstStyle/>
-          <a:p>
-            <a:r>
-              <a:rPr lang="ja-JP" altLang="en-US" dirty="0" smtClean="0"/>
-              <a:t>ドキュメントの種類に応じて</a:t>
-            </a:r>
-            <a:endParaRPr lang="en-US" altLang="ja-JP" dirty="0" smtClean="0"/>
-          </a:p>
-          <a:p>
-            <a:r>
-              <a:rPr lang="ja-JP" altLang="en-US" dirty="0" smtClean="0"/>
-              <a:t>テキスト抽出器を作成する</a:t>
-            </a:r>
-            <a:r>
-              <a:rPr lang="en-US" altLang="ja-JP" dirty="0" smtClean="0"/>
-              <a:t>Factory</a:t>
-            </a:r>
-            <a:endParaRPr lang="ja-JP" altLang="en-US" dirty="0"/>
-          </a:p>
-        </p:txBody>
-      </p:sp>
-      <p:sp>
-        <p:nvSpPr>
-          <p:cNvPr id="105" name="角丸四角形 104"/>
-          <p:cNvSpPr/>
-          <p:nvPr/>
-        </p:nvSpPr>
-        <p:spPr>
-          <a:xfrm>
-            <a:off x="814084" y="2462071"/>
-            <a:ext cx="3600318" cy="1785968"/>
-          </a:xfrm>
-          <a:prstGeom prst="roundRect">
-            <a:avLst/>
-          </a:prstGeom>
-          <a:noFill/>
-          <a:ln>
-            <a:prstDash val="dash"/>
-          </a:ln>
-        </p:spPr>
-        <p:style>
-          <a:lnRef idx="2">
-            <a:schemeClr val="dk1"/>
-          </a:lnRef>
-          <a:fillRef idx="1">
-            <a:schemeClr val="lt1"/>
-          </a:fillRef>
-          <a:effectRef idx="0">
-            <a:schemeClr val="dk1"/>
-          </a:effectRef>
-          <a:fontRef idx="minor">
-            <a:schemeClr val="dk1"/>
-          </a:fontRef>
-        </p:style>
-        <p:txBody>
-          <a:bodyPr rtlCol="0" anchor="ctr"/>
-          <a:lstStyle/>
-          <a:p>
-            <a:pPr algn="ctr"/>
-            <a:endParaRPr kumimoji="1" lang="ja-JP" altLang="en-US" dirty="0"/>
-          </a:p>
-        </p:txBody>
-      </p:sp>
-      <p:sp>
-        <p:nvSpPr>
-          <p:cNvPr id="106" name="角丸四角形 105"/>
-          <p:cNvSpPr/>
-          <p:nvPr/>
-        </p:nvSpPr>
-        <p:spPr>
-          <a:xfrm>
-            <a:off x="9428788" y="4174925"/>
-            <a:ext cx="2567188" cy="536038"/>
-          </a:xfrm>
-          <a:prstGeom prst="roundRect">
-            <a:avLst/>
-          </a:prstGeom>
-          <a:noFill/>
-        </p:spPr>
-        <p:style>
-          <a:lnRef idx="2">
-            <a:schemeClr val="dk1"/>
-          </a:lnRef>
-          <a:fillRef idx="1">
-            <a:schemeClr val="lt1"/>
-          </a:fillRef>
-          <a:effectRef idx="0">
-            <a:schemeClr val="dk1"/>
-          </a:effectRef>
-          <a:fontRef idx="minor">
-            <a:schemeClr val="dk1"/>
-          </a:fontRef>
-        </p:style>
-        <p:txBody>
-          <a:bodyPr rtlCol="0" anchor="ctr"/>
-          <a:lstStyle/>
-          <a:p>
-            <a:pPr algn="ctr"/>
-            <a:r>
-              <a:rPr lang="en-US" altLang="ja-JP" dirty="0" err="1" smtClean="0"/>
-              <a:t>PlainTextExtractor</a:t>
-            </a:r>
-            <a:endParaRPr kumimoji="1" lang="ja-JP" altLang="en-US" dirty="0"/>
-          </a:p>
-        </p:txBody>
-      </p:sp>
-      <p:sp>
-        <p:nvSpPr>
-          <p:cNvPr id="107" name="角丸四角形 106"/>
-          <p:cNvSpPr/>
-          <p:nvPr/>
-        </p:nvSpPr>
-        <p:spPr>
-          <a:xfrm>
-            <a:off x="9428788" y="4894551"/>
-            <a:ext cx="2567188" cy="536038"/>
-          </a:xfrm>
-          <a:prstGeom prst="roundRect">
-            <a:avLst/>
-          </a:prstGeom>
-          <a:noFill/>
-        </p:spPr>
-        <p:style>
-          <a:lnRef idx="2">
-            <a:schemeClr val="dk1"/>
-          </a:lnRef>
-          <a:fillRef idx="1">
-            <a:schemeClr val="lt1"/>
-          </a:fillRef>
-          <a:effectRef idx="0">
-            <a:schemeClr val="dk1"/>
-          </a:effectRef>
-          <a:fontRef idx="minor">
-            <a:schemeClr val="dk1"/>
-          </a:fontRef>
-        </p:style>
-        <p:txBody>
-          <a:bodyPr rtlCol="0" anchor="ctr"/>
-          <a:lstStyle/>
-          <a:p>
-            <a:pPr algn="ctr"/>
-            <a:r>
-              <a:rPr lang="en-US" altLang="ja-JP" dirty="0" err="1" smtClean="0"/>
-              <a:t>WordTextExtractor</a:t>
-            </a:r>
-            <a:endParaRPr kumimoji="1" lang="ja-JP" altLang="en-US" dirty="0"/>
-          </a:p>
-        </p:txBody>
-      </p:sp>
-      <p:sp>
-        <p:nvSpPr>
-          <p:cNvPr id="108" name="角丸四角形 107"/>
-          <p:cNvSpPr/>
-          <p:nvPr/>
-        </p:nvSpPr>
-        <p:spPr>
-          <a:xfrm>
-            <a:off x="9428788" y="5587682"/>
-            <a:ext cx="2567188" cy="536038"/>
-          </a:xfrm>
-          <a:prstGeom prst="roundRect">
-            <a:avLst/>
-          </a:prstGeom>
-          <a:noFill/>
-        </p:spPr>
-        <p:style>
-          <a:lnRef idx="2">
-            <a:schemeClr val="dk1"/>
-          </a:lnRef>
-          <a:fillRef idx="1">
-            <a:schemeClr val="lt1"/>
-          </a:fillRef>
-          <a:effectRef idx="0">
-            <a:schemeClr val="dk1"/>
-          </a:effectRef>
-          <a:fontRef idx="minor">
-            <a:schemeClr val="dk1"/>
-          </a:fontRef>
-        </p:style>
-        <p:txBody>
-          <a:bodyPr rtlCol="0" anchor="ctr"/>
-          <a:lstStyle/>
-          <a:p>
-            <a:pPr algn="ctr"/>
-            <a:r>
-              <a:rPr lang="en-US" altLang="ja-JP" dirty="0" err="1" smtClean="0"/>
-              <a:t>PDFTextExtractor</a:t>
-            </a:r>
-            <a:endParaRPr kumimoji="1" lang="ja-JP" altLang="en-US" dirty="0"/>
-          </a:p>
-        </p:txBody>
-      </p:sp>
-      <p:sp>
-        <p:nvSpPr>
-          <p:cNvPr id="37" name="正方形/長方形 36"/>
-          <p:cNvSpPr/>
-          <p:nvPr/>
-        </p:nvSpPr>
-        <p:spPr>
-          <a:xfrm>
-            <a:off x="9957271" y="1957244"/>
-            <a:ext cx="810438" cy="369332"/>
-          </a:xfrm>
-          <a:prstGeom prst="rect">
-            <a:avLst/>
-          </a:prstGeom>
-        </p:spPr>
-        <p:txBody>
-          <a:bodyPr wrap="none">
-            <a:spAutoFit/>
-          </a:bodyPr>
-          <a:lstStyle/>
-          <a:p>
-            <a:r>
-              <a:rPr lang="en-US" altLang="ja-JP" dirty="0" smtClean="0"/>
-              <a:t>thread</a:t>
-            </a:r>
-            <a:endParaRPr lang="ja-JP" altLang="en-US" dirty="0"/>
           </a:p>
         </p:txBody>
       </p:sp>
     </p:spTree>
     <p:extLst>
       <p:ext uri="{BB962C8B-B14F-4D97-AF65-F5344CB8AC3E}">
-        <p14:creationId xmlns:p14="http://schemas.microsoft.com/office/powerpoint/2010/main" val="2912959273"/>
+        <p14:creationId xmlns:p14="http://schemas.microsoft.com/office/powerpoint/2010/main" val="3210439307"/>
       </p:ext>
     </p:extLst>
   </p:cSld>
   <p:clrMapOvr>
     <a:masterClrMapping/>
   </p:clrMapOvr>
-  <p:timing>
-    <p:tnLst>
-      <p:par>
-        <p:cTn xmlns:p14="http://schemas.microsoft.com/office/powerpoint/2010/main" id="1" dur="indefinite" restart="never" nodeType="tmRoot"/>
-      </p:par>
-    </p:tnLst>
-  </p:timing>
 </p:sld>
 </file>
 
@@ -5979,7 +6197,7 @@
   <a:extraClrSchemeLst/>
   <a:extLst>
     <a:ext uri="{05A4C25C-085E-4340-85A3-A5531E510DB2}">
-      <thm15:themeFamily xmlns="" xmlns:thm15="http://schemas.microsoft.com/office/thememl/2012/main" name="Office Theme" id="{62F939B6-93AF-4DB8-9C6B-D6C7DFDC589F}" vid="{4A3C46E8-61CC-4603-A589-7422A47A8E4A}"/>
+      <thm15:themeFamily xmlns:thm15="http://schemas.microsoft.com/office/thememl/2012/main" xmlns="" name="Office Theme" id="{62F939B6-93AF-4DB8-9C6B-D6C7DFDC589F}" vid="{4A3C46E8-61CC-4603-A589-7422A47A8E4A}"/>
     </a:ext>
   </a:extLst>
 </a:theme>
